--- a/PPT169.pptx
+++ b/PPT169.pptx
@@ -912,8 +912,8 @@
                 <a:solidFill>
                   <a:schemeClr val="bg1"/>
                 </a:solidFill>
-                <a:latin typeface="Times New Roman" panose="02020603050405020304" pitchFamily="18" charset="0"/>
-                <a:cs typeface="Times New Roman" panose="02020603050405020304" pitchFamily="18" charset="0"/>
+                <a:latin typeface="Arial" panose="020B0604020202020204" pitchFamily="34" charset="0"/>
+                <a:cs typeface="Arial" panose="020B0604020202020204" pitchFamily="34" charset="0"/>
               </a:defRPr>
             </a:lvl1pPr>
           </a:lstStyle>
@@ -965,9 +965,9 @@
                 <a:solidFill>
                   <a:schemeClr val="bg1"/>
                 </a:solidFill>
-                <a:latin typeface="Times New Roman" panose="02020603050405020304" pitchFamily="18" charset="0"/>
+                <a:latin typeface="Arial" panose="020B0604020202020204" pitchFamily="34" charset="0"/>
                 <a:ea typeface="+mj-ea"/>
-                <a:cs typeface="Times New Roman" panose="02020603050405020304" pitchFamily="18" charset="0"/>
+                <a:cs typeface="Arial" panose="020B0604020202020204" pitchFamily="34" charset="0"/>
               </a:defRPr>
             </a:lvl1pPr>
             <a:lvl2pPr marL="0" indent="0" algn="ctr" defTabSz="914400" rtl="0" eaLnBrk="1" latinLnBrk="0" hangingPunct="1">
@@ -1111,8 +1111,8 @@
                 <a:spcPct val="100000"/>
               </a:lnSpc>
               <a:defRPr sz="2400">
-                <a:latin typeface="Times New Roman" panose="02020603050405020304" pitchFamily="18" charset="0"/>
-                <a:cs typeface="Times New Roman" panose="02020603050405020304" pitchFamily="18" charset="0"/>
+                <a:latin typeface="Arial" panose="020B0604020202020204" pitchFamily="34" charset="0"/>
+                <a:cs typeface="Arial" panose="020B0604020202020204" pitchFamily="34" charset="0"/>
               </a:defRPr>
             </a:lvl1pPr>
             <a:lvl2pPr marL="685750" indent="-228584">
@@ -1122,8 +1122,8 @@
               <a:buFont typeface="Wingdings" panose="05000000000000000000" pitchFamily="2" charset="2"/>
               <a:buChar char="§"/>
               <a:defRPr sz="2000">
-                <a:latin typeface="Times New Roman" panose="02020603050405020304" pitchFamily="18" charset="0"/>
-                <a:cs typeface="Times New Roman" panose="02020603050405020304" pitchFamily="18" charset="0"/>
+                <a:latin typeface="Arial" panose="020B0604020202020204" pitchFamily="34" charset="0"/>
+                <a:cs typeface="Arial" panose="020B0604020202020204" pitchFamily="34" charset="0"/>
               </a:defRPr>
             </a:lvl2pPr>
             <a:lvl3pPr>
@@ -1191,8 +1191,8 @@
           <a:lstStyle>
             <a:lvl1pPr algn="r">
               <a:defRPr>
-                <a:latin typeface="Times New Roman" panose="02020603050405020304" pitchFamily="18" charset="0"/>
-                <a:cs typeface="Times New Roman" panose="02020603050405020304" pitchFamily="18" charset="0"/>
+                <a:latin typeface="Arial" panose="020B0604020202020204" pitchFamily="34" charset="0"/>
+                <a:cs typeface="Arial" panose="020B0604020202020204" pitchFamily="34" charset="0"/>
               </a:defRPr>
             </a:lvl1pPr>
           </a:lstStyle>
@@ -1246,9 +1246,9 @@
                 <a:solidFill>
                   <a:srgbClr val="9E2435"/>
                 </a:solidFill>
-                <a:latin typeface="Times New Roman" panose="02020603050405020304" pitchFamily="18" charset="0"/>
+                <a:latin typeface="Arial" panose="020B0604020202020204" pitchFamily="34" charset="0"/>
                 <a:ea typeface="+mj-ea"/>
-                <a:cs typeface="Times New Roman" panose="02020603050405020304" pitchFamily="18" charset="0"/>
+                <a:cs typeface="Arial" panose="020B0604020202020204" pitchFamily="34" charset="0"/>
               </a:defRPr>
             </a:lvl1pPr>
           </a:lstStyle>
@@ -1575,8 +1575,8 @@
                 <a:solidFill>
                   <a:schemeClr val="bg1"/>
                 </a:solidFill>
-                <a:latin typeface="Times New Roman" panose="02020603050405020304" pitchFamily="18" charset="0"/>
-                <a:cs typeface="Times New Roman" panose="02020603050405020304" pitchFamily="18" charset="0"/>
+                <a:latin typeface="Arial" panose="020B0604020202020204" pitchFamily="34" charset="0"/>
+                <a:cs typeface="Arial" panose="020B0604020202020204" pitchFamily="34" charset="0"/>
               </a:defRPr>
             </a:lvl1pPr>
           </a:lstStyle>
@@ -1755,8 +1755,8 @@
           <a:lstStyle>
             <a:lvl1pPr algn="r">
               <a:defRPr>
-                <a:latin typeface="Times New Roman" panose="02020603050405020304" pitchFamily="18" charset="0"/>
-                <a:cs typeface="Times New Roman" panose="02020603050405020304" pitchFamily="18" charset="0"/>
+                <a:latin typeface="Arial" panose="020B0604020202020204" pitchFamily="34" charset="0"/>
+                <a:cs typeface="Arial" panose="020B0604020202020204" pitchFamily="34" charset="0"/>
               </a:defRPr>
             </a:lvl1pPr>
           </a:lstStyle>
@@ -1810,9 +1810,9 @@
                 <a:solidFill>
                   <a:srgbClr val="9E2435"/>
                 </a:solidFill>
-                <a:latin typeface="Times New Roman" panose="02020603050405020304" pitchFamily="18" charset="0"/>
+                <a:latin typeface="Arial" panose="020B0604020202020204" pitchFamily="34" charset="0"/>
                 <a:ea typeface="+mj-ea"/>
-                <a:cs typeface="Times New Roman" panose="02020603050405020304" pitchFamily="18" charset="0"/>
+                <a:cs typeface="Arial" panose="020B0604020202020204" pitchFamily="34" charset="0"/>
               </a:defRPr>
             </a:lvl1pPr>
           </a:lstStyle>
@@ -1858,8 +1858,8 @@
               </a:spcBef>
               <a:buNone/>
               <a:defRPr sz="1200">
-                <a:latin typeface="Times New Roman" panose="02020603050405020304" pitchFamily="18" charset="0"/>
-                <a:cs typeface="Times New Roman" panose="02020603050405020304" pitchFamily="18" charset="0"/>
+                <a:latin typeface="Arial" panose="020B0604020202020204" pitchFamily="34" charset="0"/>
+                <a:cs typeface="Arial" panose="020B0604020202020204" pitchFamily="34" charset="0"/>
               </a:defRPr>
             </a:lvl1pPr>
           </a:lstStyle>
@@ -1925,8 +1925,8 @@
                 <a:spcPct val="100000"/>
               </a:lnSpc>
               <a:defRPr sz="2000">
-                <a:latin typeface="Times New Roman" panose="02020603050405020304" pitchFamily="18" charset="0"/>
-                <a:cs typeface="Times New Roman" panose="02020603050405020304" pitchFamily="18" charset="0"/>
+                <a:latin typeface="Arial" panose="020B0604020202020204" pitchFamily="34" charset="0"/>
+                <a:cs typeface="Arial" panose="020B0604020202020204" pitchFamily="34" charset="0"/>
               </a:defRPr>
             </a:lvl1pPr>
             <a:lvl2pPr marL="685750" indent="-228584">
@@ -1936,8 +1936,8 @@
               <a:buFont typeface="Wingdings" panose="05000000000000000000" pitchFamily="2" charset="2"/>
               <a:buChar char="§"/>
               <a:defRPr sz="1800">
-                <a:latin typeface="Times New Roman" panose="02020603050405020304" pitchFamily="18" charset="0"/>
-                <a:cs typeface="Times New Roman" panose="02020603050405020304" pitchFamily="18" charset="0"/>
+                <a:latin typeface="Arial" panose="020B0604020202020204" pitchFamily="34" charset="0"/>
+                <a:cs typeface="Arial" panose="020B0604020202020204" pitchFamily="34" charset="0"/>
               </a:defRPr>
             </a:lvl2pPr>
             <a:lvl3pPr>
@@ -2142,8 +2142,8 @@
           <a:lstStyle>
             <a:lvl1pPr algn="r">
               <a:defRPr>
-                <a:latin typeface="Times New Roman" panose="02020603050405020304" pitchFamily="18" charset="0"/>
-                <a:cs typeface="Times New Roman" panose="02020603050405020304" pitchFamily="18" charset="0"/>
+                <a:latin typeface="Arial" panose="020B0604020202020204" pitchFamily="34" charset="0"/>
+                <a:cs typeface="Arial" panose="020B0604020202020204" pitchFamily="34" charset="0"/>
               </a:defRPr>
             </a:lvl1pPr>
           </a:lstStyle>
@@ -2197,9 +2197,9 @@
                 <a:solidFill>
                   <a:srgbClr val="9E2435"/>
                 </a:solidFill>
-                <a:latin typeface="Times New Roman" panose="02020603050405020304" pitchFamily="18" charset="0"/>
+                <a:latin typeface="Arial" panose="020B0604020202020204" pitchFamily="34" charset="0"/>
                 <a:ea typeface="+mj-ea"/>
-                <a:cs typeface="Times New Roman" panose="02020603050405020304" pitchFamily="18" charset="0"/>
+                <a:cs typeface="Arial" panose="020B0604020202020204" pitchFamily="34" charset="0"/>
               </a:defRPr>
             </a:lvl1pPr>
           </a:lstStyle>
@@ -2245,8 +2245,8 @@
               </a:spcBef>
               <a:buNone/>
               <a:defRPr sz="1200">
-                <a:latin typeface="Times New Roman" panose="02020603050405020304" pitchFamily="18" charset="0"/>
-                <a:cs typeface="Times New Roman" panose="02020603050405020304" pitchFamily="18" charset="0"/>
+                <a:latin typeface="Arial" panose="020B0604020202020204" pitchFamily="34" charset="0"/>
+                <a:cs typeface="Arial" panose="020B0604020202020204" pitchFamily="34" charset="0"/>
               </a:defRPr>
             </a:lvl1pPr>
           </a:lstStyle>
@@ -2312,8 +2312,8 @@
                 <a:spcPct val="100000"/>
               </a:lnSpc>
               <a:defRPr sz="2000">
-                <a:latin typeface="Times New Roman" panose="02020603050405020304" pitchFamily="18" charset="0"/>
-                <a:cs typeface="Times New Roman" panose="02020603050405020304" pitchFamily="18" charset="0"/>
+                <a:latin typeface="Arial" panose="020B0604020202020204" pitchFamily="34" charset="0"/>
+                <a:cs typeface="Arial" panose="020B0604020202020204" pitchFamily="34" charset="0"/>
               </a:defRPr>
             </a:lvl1pPr>
             <a:lvl2pPr marL="685750" indent="-228584">
@@ -2323,8 +2323,8 @@
               <a:buFont typeface="Wingdings" panose="05000000000000000000" pitchFamily="2" charset="2"/>
               <a:buChar char="§"/>
               <a:defRPr sz="1800">
-                <a:latin typeface="Times New Roman" panose="02020603050405020304" pitchFamily="18" charset="0"/>
-                <a:cs typeface="Times New Roman" panose="02020603050405020304" pitchFamily="18" charset="0"/>
+                <a:latin typeface="Arial" panose="020B0604020202020204" pitchFamily="34" charset="0"/>
+                <a:cs typeface="Arial" panose="020B0604020202020204" pitchFamily="34" charset="0"/>
               </a:defRPr>
             </a:lvl2pPr>
             <a:lvl3pPr>
@@ -2397,9 +2397,9 @@
                 <a:solidFill>
                   <a:schemeClr val="tx1"/>
                 </a:solidFill>
-                <a:latin typeface="Times New Roman" panose="02020603050405020304" pitchFamily="18" charset="0"/>
+                <a:latin typeface="Arial" panose="020B0604020202020204" pitchFamily="34" charset="0"/>
                 <a:ea typeface="+mn-ea"/>
-                <a:cs typeface="Times New Roman" panose="02020603050405020304" pitchFamily="18" charset="0"/>
+                <a:cs typeface="Arial" panose="020B0604020202020204" pitchFamily="34" charset="0"/>
               </a:defRPr>
             </a:lvl1pPr>
             <a:lvl2pPr marL="800066" indent="-342900">
@@ -2409,9 +2409,9 @@
                 <a:solidFill>
                   <a:schemeClr val="tx1"/>
                 </a:solidFill>
-                <a:latin typeface="Times New Roman" panose="02020603050405020304" pitchFamily="18" charset="0"/>
+                <a:latin typeface="Arial" panose="020B0604020202020204" pitchFamily="34" charset="0"/>
                 <a:ea typeface="+mn-ea"/>
-                <a:cs typeface="Times New Roman" panose="02020603050405020304" pitchFamily="18" charset="0"/>
+                <a:cs typeface="Arial" panose="020B0604020202020204" pitchFamily="34" charset="0"/>
               </a:defRPr>
             </a:lvl2pPr>
           </a:lstStyle>
@@ -2525,9 +2525,9 @@
                 <a:solidFill>
                   <a:schemeClr val="tx1"/>
                 </a:solidFill>
-                <a:latin typeface="Times New Roman" panose="02020603050405020304" pitchFamily="18" charset="0"/>
+                <a:latin typeface="Arial" panose="020B0604020202020204" pitchFamily="34" charset="0"/>
                 <a:ea typeface="+mn-ea"/>
-                <a:cs typeface="Times New Roman" panose="02020603050405020304" pitchFamily="18" charset="0"/>
+                <a:cs typeface="Arial" panose="020B0604020202020204" pitchFamily="34" charset="0"/>
               </a:defRPr>
             </a:lvl1pPr>
             <a:lvl2pPr marL="800066" indent="-342900">
@@ -2537,9 +2537,9 @@
                 <a:solidFill>
                   <a:schemeClr val="tx1"/>
                 </a:solidFill>
-                <a:latin typeface="Times New Roman" panose="02020603050405020304" pitchFamily="18" charset="0"/>
+                <a:latin typeface="Arial" panose="020B0604020202020204" pitchFamily="34" charset="0"/>
                 <a:ea typeface="+mn-ea"/>
-                <a:cs typeface="Times New Roman" panose="02020603050405020304" pitchFamily="18" charset="0"/>
+                <a:cs typeface="Arial" panose="020B0604020202020204" pitchFamily="34" charset="0"/>
               </a:defRPr>
             </a:lvl2pPr>
           </a:lstStyle>
@@ -2739,8 +2739,8 @@
           <a:lstStyle>
             <a:lvl1pPr algn="r">
               <a:defRPr>
-                <a:latin typeface="Times New Roman" panose="02020603050405020304" pitchFamily="18" charset="0"/>
-                <a:cs typeface="Times New Roman" panose="02020603050405020304" pitchFamily="18" charset="0"/>
+                <a:latin typeface="Arial" panose="020B0604020202020204" pitchFamily="34" charset="0"/>
+                <a:cs typeface="Arial" panose="020B0604020202020204" pitchFamily="34" charset="0"/>
               </a:defRPr>
             </a:lvl1pPr>
           </a:lstStyle>
@@ -2794,9 +2794,9 @@
                 <a:solidFill>
                   <a:srgbClr val="9E2435"/>
                 </a:solidFill>
-                <a:latin typeface="Times New Roman" panose="02020603050405020304" pitchFamily="18" charset="0"/>
+                <a:latin typeface="Arial" panose="020B0604020202020204" pitchFamily="34" charset="0"/>
                 <a:ea typeface="+mj-ea"/>
-                <a:cs typeface="Times New Roman" panose="02020603050405020304" pitchFamily="18" charset="0"/>
+                <a:cs typeface="Arial" panose="020B0604020202020204" pitchFamily="34" charset="0"/>
               </a:defRPr>
             </a:lvl1pPr>
           </a:lstStyle>
@@ -2842,8 +2842,8 @@
               </a:spcBef>
               <a:buNone/>
               <a:defRPr sz="1200">
-                <a:latin typeface="Times New Roman" panose="02020603050405020304" pitchFamily="18" charset="0"/>
-                <a:cs typeface="Times New Roman" panose="02020603050405020304" pitchFamily="18" charset="0"/>
+                <a:latin typeface="Arial" panose="020B0604020202020204" pitchFamily="34" charset="0"/>
+                <a:cs typeface="Arial" panose="020B0604020202020204" pitchFamily="34" charset="0"/>
               </a:defRPr>
             </a:lvl1pPr>
           </a:lstStyle>
@@ -2909,8 +2909,8 @@
                 <a:spcPct val="100000"/>
               </a:lnSpc>
               <a:defRPr sz="2000">
-                <a:latin typeface="Times New Roman" panose="02020603050405020304" pitchFamily="18" charset="0"/>
-                <a:cs typeface="Times New Roman" panose="02020603050405020304" pitchFamily="18" charset="0"/>
+                <a:latin typeface="Arial" panose="020B0604020202020204" pitchFamily="34" charset="0"/>
+                <a:cs typeface="Arial" panose="020B0604020202020204" pitchFamily="34" charset="0"/>
               </a:defRPr>
             </a:lvl1pPr>
             <a:lvl2pPr marL="685750" indent="-228584">
@@ -2920,8 +2920,8 @@
               <a:buFont typeface="Wingdings" panose="05000000000000000000" pitchFamily="2" charset="2"/>
               <a:buChar char="§"/>
               <a:defRPr sz="1800">
-                <a:latin typeface="Times New Roman" panose="02020603050405020304" pitchFamily="18" charset="0"/>
-                <a:cs typeface="Times New Roman" panose="02020603050405020304" pitchFamily="18" charset="0"/>
+                <a:latin typeface="Arial" panose="020B0604020202020204" pitchFamily="34" charset="0"/>
+                <a:cs typeface="Arial" panose="020B0604020202020204" pitchFamily="34" charset="0"/>
               </a:defRPr>
             </a:lvl2pPr>
             <a:lvl3pPr>
@@ -2994,9 +2994,9 @@
                 <a:solidFill>
                   <a:schemeClr val="tx1"/>
                 </a:solidFill>
-                <a:latin typeface="Times New Roman" panose="02020603050405020304" pitchFamily="18" charset="0"/>
+                <a:latin typeface="Arial" panose="020B0604020202020204" pitchFamily="34" charset="0"/>
                 <a:ea typeface="+mn-ea"/>
-                <a:cs typeface="Times New Roman" panose="02020603050405020304" pitchFamily="18" charset="0"/>
+                <a:cs typeface="Arial" panose="020B0604020202020204" pitchFamily="34" charset="0"/>
               </a:defRPr>
             </a:lvl1pPr>
             <a:lvl2pPr marL="800066" indent="-342900">
@@ -3006,9 +3006,9 @@
                 <a:solidFill>
                   <a:schemeClr val="tx1"/>
                 </a:solidFill>
-                <a:latin typeface="Times New Roman" panose="02020603050405020304" pitchFamily="18" charset="0"/>
+                <a:latin typeface="Arial" panose="020B0604020202020204" pitchFamily="34" charset="0"/>
                 <a:ea typeface="+mn-ea"/>
-                <a:cs typeface="Times New Roman" panose="02020603050405020304" pitchFamily="18" charset="0"/>
+                <a:cs typeface="Arial" panose="020B0604020202020204" pitchFamily="34" charset="0"/>
               </a:defRPr>
             </a:lvl2pPr>
           </a:lstStyle>
@@ -3076,9 +3076,9 @@
                 <a:solidFill>
                   <a:schemeClr val="tx1"/>
                 </a:solidFill>
-                <a:latin typeface="Times New Roman" panose="02020603050405020304" pitchFamily="18" charset="0"/>
+                <a:latin typeface="Arial" panose="020B0604020202020204" pitchFamily="34" charset="0"/>
                 <a:ea typeface="+mn-ea"/>
-                <a:cs typeface="Times New Roman" panose="02020603050405020304" pitchFamily="18" charset="0"/>
+                <a:cs typeface="Arial" panose="020B0604020202020204" pitchFamily="34" charset="0"/>
               </a:defRPr>
             </a:lvl1pPr>
             <a:lvl2pPr marL="800066" indent="-342900">
@@ -3088,9 +3088,9 @@
                 <a:solidFill>
                   <a:schemeClr val="tx1"/>
                 </a:solidFill>
-                <a:latin typeface="Times New Roman" panose="02020603050405020304" pitchFamily="18" charset="0"/>
+                <a:latin typeface="Arial" panose="020B0604020202020204" pitchFamily="34" charset="0"/>
                 <a:ea typeface="+mn-ea"/>
-                <a:cs typeface="Times New Roman" panose="02020603050405020304" pitchFamily="18" charset="0"/>
+                <a:cs typeface="Arial" panose="020B0604020202020204" pitchFamily="34" charset="0"/>
               </a:defRPr>
             </a:lvl2pPr>
           </a:lstStyle>
@@ -3158,9 +3158,9 @@
                 <a:solidFill>
                   <a:schemeClr val="tx1"/>
                 </a:solidFill>
-                <a:latin typeface="Times New Roman" panose="02020603050405020304" pitchFamily="18" charset="0"/>
+                <a:latin typeface="Arial" panose="020B0604020202020204" pitchFamily="34" charset="0"/>
                 <a:ea typeface="+mn-ea"/>
-                <a:cs typeface="Times New Roman" panose="02020603050405020304" pitchFamily="18" charset="0"/>
+                <a:cs typeface="Arial" panose="020B0604020202020204" pitchFamily="34" charset="0"/>
               </a:defRPr>
             </a:lvl1pPr>
             <a:lvl2pPr marL="800066" indent="-342900">
@@ -3170,9 +3170,9 @@
                 <a:solidFill>
                   <a:schemeClr val="tx1"/>
                 </a:solidFill>
-                <a:latin typeface="Times New Roman" panose="02020603050405020304" pitchFamily="18" charset="0"/>
+                <a:latin typeface="Arial" panose="020B0604020202020204" pitchFamily="34" charset="0"/>
                 <a:ea typeface="+mn-ea"/>
-                <a:cs typeface="Times New Roman" panose="02020603050405020304" pitchFamily="18" charset="0"/>
+                <a:cs typeface="Arial" panose="020B0604020202020204" pitchFamily="34" charset="0"/>
               </a:defRPr>
             </a:lvl2pPr>
           </a:lstStyle>
@@ -3240,9 +3240,9 @@
                 <a:solidFill>
                   <a:schemeClr val="tx1"/>
                 </a:solidFill>
-                <a:latin typeface="Times New Roman" panose="02020603050405020304" pitchFamily="18" charset="0"/>
+                <a:latin typeface="Arial" panose="020B0604020202020204" pitchFamily="34" charset="0"/>
                 <a:ea typeface="+mn-ea"/>
-                <a:cs typeface="Times New Roman" panose="02020603050405020304" pitchFamily="18" charset="0"/>
+                <a:cs typeface="Arial" panose="020B0604020202020204" pitchFamily="34" charset="0"/>
               </a:defRPr>
             </a:lvl1pPr>
             <a:lvl2pPr marL="800066" indent="-342900">
@@ -3252,9 +3252,9 @@
                 <a:solidFill>
                   <a:schemeClr val="tx1"/>
                 </a:solidFill>
-                <a:latin typeface="Times New Roman" panose="02020603050405020304" pitchFamily="18" charset="0"/>
+                <a:latin typeface="Arial" panose="020B0604020202020204" pitchFamily="34" charset="0"/>
                 <a:ea typeface="+mn-ea"/>
-                <a:cs typeface="Times New Roman" panose="02020603050405020304" pitchFamily="18" charset="0"/>
+                <a:cs typeface="Arial" panose="020B0604020202020204" pitchFamily="34" charset="0"/>
               </a:defRPr>
             </a:lvl2pPr>
           </a:lstStyle>
@@ -3495,8 +3495,8 @@
                 <a:solidFill>
                   <a:schemeClr val="bg1"/>
                 </a:solidFill>
-                <a:latin typeface="Times New Roman" panose="02020603050405020304" pitchFamily="18" charset="0"/>
-                <a:cs typeface="Times New Roman" panose="02020603050405020304" pitchFamily="18" charset="0"/>
+                <a:latin typeface="Arial" panose="020B0604020202020204" pitchFamily="34" charset="0"/>
+                <a:cs typeface="Arial" panose="020B0604020202020204" pitchFamily="34" charset="0"/>
               </a:rPr>
               <a:t>Thanks for your attention</a:t>
             </a:r>
@@ -3507,8 +3507,8 @@
               <a:solidFill>
                 <a:schemeClr val="bg1"/>
               </a:solidFill>
-              <a:latin typeface="Times New Roman" panose="02020603050405020304" pitchFamily="18" charset="0"/>
-              <a:cs typeface="Times New Roman" panose="02020603050405020304" pitchFamily="18" charset="0"/>
+              <a:latin typeface="Arial" panose="020B0604020202020204" pitchFamily="34" charset="0"/>
+              <a:cs typeface="Arial" panose="020B0604020202020204" pitchFamily="34" charset="0"/>
             </a:endParaRPr>
           </a:p>
           <a:p>
@@ -3518,8 +3518,8 @@
                 <a:solidFill>
                   <a:schemeClr val="bg1"/>
                 </a:solidFill>
-                <a:latin typeface="Times New Roman" panose="02020603050405020304" pitchFamily="18" charset="0"/>
-                <a:cs typeface="Times New Roman" panose="02020603050405020304" pitchFamily="18" charset="0"/>
+                <a:latin typeface="Arial" panose="020B0604020202020204" pitchFamily="34" charset="0"/>
+                <a:cs typeface="Arial" panose="020B0604020202020204" pitchFamily="34" charset="0"/>
               </a:rPr>
               <a:t>Q &amp; A</a:t>
             </a:r>
@@ -3527,8 +3527,8 @@
               <a:solidFill>
                 <a:schemeClr val="bg1"/>
               </a:solidFill>
-              <a:latin typeface="Times New Roman" panose="02020603050405020304" pitchFamily="18" charset="0"/>
-              <a:cs typeface="Times New Roman" panose="02020603050405020304" pitchFamily="18" charset="0"/>
+              <a:latin typeface="Arial" panose="020B0604020202020204" pitchFamily="34" charset="0"/>
+              <a:cs typeface="Arial" panose="020B0604020202020204" pitchFamily="34" charset="0"/>
             </a:endParaRPr>
           </a:p>
         </p:txBody>

--- a/PPT169.pptx
+++ b/PPT169.pptx
@@ -273,7 +273,7 @@
           <a:p>
             <a:fld id="{BDF5B7B3-C534-42DE-8E1D-7FBB8A579928}" type="datetimeFigureOut">
               <a:rPr lang="en-US" smtClean="0"/>
-              <a:t>5/21/2025</a:t>
+              <a:t>5/22/2025</a:t>
             </a:fld>
             <a:endParaRPr lang="en-US"/>
           </a:p>
@@ -450,7 +450,7 @@
           <a:p>
             <a:fld id="{F374C232-036A-4EC1-BC5D-6F7874F89560}" type="datetimeFigureOut">
               <a:rPr lang="en-GB" smtClean="0"/>
-              <a:t>21/05/2025</a:t>
+              <a:t>22/05/2025</a:t>
             </a:fld>
             <a:endParaRPr lang="en-GB"/>
           </a:p>
@@ -1826,10 +1826,10 @@
       </p:sp>
       <p:sp>
         <p:nvSpPr>
-          <p:cNvPr id="22" name="Content Placeholder 21">
-            <a:extLst>
-              <a:ext uri="{FF2B5EF4-FFF2-40B4-BE49-F238E27FC236}">
-                <a16:creationId xmlns:a16="http://schemas.microsoft.com/office/drawing/2014/main" id="{9E2367A4-091D-80F8-3CB1-F93538EE1B6C}"/>
+          <p:cNvPr id="23" name="Text Placeholder 19">
+            <a:extLst>
+              <a:ext uri="{FF2B5EF4-FFF2-40B4-BE49-F238E27FC236}">
+                <a16:creationId xmlns:a16="http://schemas.microsoft.com/office/drawing/2014/main" id="{4B41F9F1-58CD-F7D7-C83B-FD4DC2C9D1AF}"/>
               </a:ext>
             </a:extLst>
           </p:cNvPr>
@@ -1837,13 +1837,96 @@
             <a:spLocks noGrp="1"/>
           </p:cNvSpPr>
           <p:nvPr>
-            <p:ph sz="quarter" idx="11"/>
+            <p:ph type="body" sz="quarter" idx="12"/>
           </p:nvPr>
         </p:nvSpPr>
         <p:spPr>
           <a:xfrm>
-            <a:off x="0" y="6492885"/>
-            <a:ext cx="9000000" cy="360000"/>
+            <a:off x="540000" y="1512000"/>
+            <a:ext cx="11124041" cy="4620885"/>
+          </a:xfrm>
+          <a:prstGeom prst="rect">
+            <a:avLst/>
+          </a:prstGeom>
+        </p:spPr>
+        <p:txBody>
+          <a:bodyPr/>
+          <a:lstStyle>
+            <a:lvl1pPr>
+              <a:lnSpc>
+                <a:spcPct val="100000"/>
+              </a:lnSpc>
+              <a:defRPr sz="2000">
+                <a:latin typeface="Arial" panose="020B0604020202020204" pitchFamily="34" charset="0"/>
+                <a:cs typeface="Arial" panose="020B0604020202020204" pitchFamily="34" charset="0"/>
+              </a:defRPr>
+            </a:lvl1pPr>
+            <a:lvl2pPr marL="685750" indent="-228584">
+              <a:lnSpc>
+                <a:spcPct val="100000"/>
+              </a:lnSpc>
+              <a:buFont typeface="Wingdings" panose="05000000000000000000" pitchFamily="2" charset="2"/>
+              <a:buChar char="§"/>
+              <a:defRPr sz="1800">
+                <a:latin typeface="Arial" panose="020B0604020202020204" pitchFamily="34" charset="0"/>
+                <a:cs typeface="Arial" panose="020B0604020202020204" pitchFamily="34" charset="0"/>
+              </a:defRPr>
+            </a:lvl2pPr>
+            <a:lvl3pPr>
+              <a:defRPr sz="1600">
+                <a:latin typeface="Times New Roman" panose="02020603050405020304" pitchFamily="18" charset="0"/>
+                <a:cs typeface="Times New Roman" panose="02020603050405020304" pitchFamily="18" charset="0"/>
+              </a:defRPr>
+            </a:lvl3pPr>
+            <a:lvl4pPr>
+              <a:defRPr>
+                <a:latin typeface="Times New Roman" panose="02020603050405020304" pitchFamily="18" charset="0"/>
+                <a:cs typeface="Times New Roman" panose="02020603050405020304" pitchFamily="18" charset="0"/>
+              </a:defRPr>
+            </a:lvl4pPr>
+            <a:lvl5pPr>
+              <a:defRPr>
+                <a:latin typeface="Times New Roman" panose="02020603050405020304" pitchFamily="18" charset="0"/>
+                <a:cs typeface="Times New Roman" panose="02020603050405020304" pitchFamily="18" charset="0"/>
+              </a:defRPr>
+            </a:lvl5pPr>
+          </a:lstStyle>
+          <a:p>
+            <a:pPr lvl="0"/>
+            <a:r>
+              <a:rPr lang="en-US" dirty="0"/>
+              <a:t>Click to edit Master text styles</a:t>
+            </a:r>
+          </a:p>
+          <a:p>
+            <a:pPr lvl="1"/>
+            <a:r>
+              <a:rPr lang="en-US" dirty="0"/>
+              <a:t>Second level</a:t>
+            </a:r>
+          </a:p>
+        </p:txBody>
+      </p:sp>
+      <p:sp>
+        <p:nvSpPr>
+          <p:cNvPr id="6" name="Text Placeholder 2">
+            <a:extLst>
+              <a:ext uri="{FF2B5EF4-FFF2-40B4-BE49-F238E27FC236}">
+                <a16:creationId xmlns:a16="http://schemas.microsoft.com/office/drawing/2014/main" id="{E9359D0B-8C08-C141-AA8C-A8A73D7E4A78}"/>
+              </a:ext>
+            </a:extLst>
+          </p:cNvPr>
+          <p:cNvSpPr>
+            <a:spLocks noGrp="1"/>
+          </p:cNvSpPr>
+          <p:nvPr>
+            <p:ph type="body" sz="quarter" idx="16"/>
+          </p:nvPr>
+        </p:nvSpPr>
+        <p:spPr>
+          <a:xfrm>
+            <a:off x="-9031" y="6485890"/>
+            <a:ext cx="9009031" cy="365125"/>
           </a:xfrm>
           <a:prstGeom prst="rect">
             <a:avLst/>
@@ -1853,18 +1936,19 @@
           <a:bodyPr/>
           <a:lstStyle>
             <a:lvl1pPr marL="0" indent="0">
-              <a:spcBef>
-                <a:spcPts val="0"/>
-              </a:spcBef>
               <a:buNone/>
-              <a:defRPr sz="1200">
+              <a:defRPr lang="en-US" sz="1200" kern="1200" dirty="0">
+                <a:solidFill>
+                  <a:schemeClr val="tx1"/>
+                </a:solidFill>
                 <a:latin typeface="Arial" panose="020B0604020202020204" pitchFamily="34" charset="0"/>
+                <a:ea typeface="+mn-ea"/>
                 <a:cs typeface="Arial" panose="020B0604020202020204" pitchFamily="34" charset="0"/>
               </a:defRPr>
             </a:lvl1pPr>
           </a:lstStyle>
           <a:p>
-            <a:pPr marL="0" marR="0" lvl="0" indent="0" algn="l" defTabSz="914332" rtl="0" eaLnBrk="1" fontAlgn="auto" latinLnBrk="0" hangingPunct="1">
+            <a:pPr marL="0" marR="0" lvl="0" indent="0" algn="l" defTabSz="914400" rtl="0" eaLnBrk="1" fontAlgn="auto" latinLnBrk="0" hangingPunct="1">
               <a:lnSpc>
                 <a:spcPct val="90000"/>
               </a:lnSpc>
@@ -1884,93 +1968,6 @@
             <a:r>
               <a:rPr lang="en-US" dirty="0"/>
               <a:t>Click to edit Master text styles</a:t>
-            </a:r>
-          </a:p>
-          <a:p>
-            <a:pPr lvl="0"/>
-            <a:endParaRPr lang="en-US" dirty="0"/>
-          </a:p>
-        </p:txBody>
-      </p:sp>
-      <p:sp>
-        <p:nvSpPr>
-          <p:cNvPr id="23" name="Text Placeholder 19">
-            <a:extLst>
-              <a:ext uri="{FF2B5EF4-FFF2-40B4-BE49-F238E27FC236}">
-                <a16:creationId xmlns:a16="http://schemas.microsoft.com/office/drawing/2014/main" id="{4B41F9F1-58CD-F7D7-C83B-FD4DC2C9D1AF}"/>
-              </a:ext>
-            </a:extLst>
-          </p:cNvPr>
-          <p:cNvSpPr>
-            <a:spLocks noGrp="1"/>
-          </p:cNvSpPr>
-          <p:nvPr>
-            <p:ph type="body" sz="quarter" idx="12"/>
-          </p:nvPr>
-        </p:nvSpPr>
-        <p:spPr>
-          <a:xfrm>
-            <a:off x="540000" y="1512000"/>
-            <a:ext cx="11124041" cy="4620885"/>
-          </a:xfrm>
-          <a:prstGeom prst="rect">
-            <a:avLst/>
-          </a:prstGeom>
-        </p:spPr>
-        <p:txBody>
-          <a:bodyPr/>
-          <a:lstStyle>
-            <a:lvl1pPr>
-              <a:lnSpc>
-                <a:spcPct val="100000"/>
-              </a:lnSpc>
-              <a:defRPr sz="2000">
-                <a:latin typeface="Arial" panose="020B0604020202020204" pitchFamily="34" charset="0"/>
-                <a:cs typeface="Arial" panose="020B0604020202020204" pitchFamily="34" charset="0"/>
-              </a:defRPr>
-            </a:lvl1pPr>
-            <a:lvl2pPr marL="685750" indent="-228584">
-              <a:lnSpc>
-                <a:spcPct val="100000"/>
-              </a:lnSpc>
-              <a:buFont typeface="Wingdings" panose="05000000000000000000" pitchFamily="2" charset="2"/>
-              <a:buChar char="§"/>
-              <a:defRPr sz="1800">
-                <a:latin typeface="Arial" panose="020B0604020202020204" pitchFamily="34" charset="0"/>
-                <a:cs typeface="Arial" panose="020B0604020202020204" pitchFamily="34" charset="0"/>
-              </a:defRPr>
-            </a:lvl2pPr>
-            <a:lvl3pPr>
-              <a:defRPr sz="1600">
-                <a:latin typeface="Times New Roman" panose="02020603050405020304" pitchFamily="18" charset="0"/>
-                <a:cs typeface="Times New Roman" panose="02020603050405020304" pitchFamily="18" charset="0"/>
-              </a:defRPr>
-            </a:lvl3pPr>
-            <a:lvl4pPr>
-              <a:defRPr>
-                <a:latin typeface="Times New Roman" panose="02020603050405020304" pitchFamily="18" charset="0"/>
-                <a:cs typeface="Times New Roman" panose="02020603050405020304" pitchFamily="18" charset="0"/>
-              </a:defRPr>
-            </a:lvl4pPr>
-            <a:lvl5pPr>
-              <a:defRPr>
-                <a:latin typeface="Times New Roman" panose="02020603050405020304" pitchFamily="18" charset="0"/>
-                <a:cs typeface="Times New Roman" panose="02020603050405020304" pitchFamily="18" charset="0"/>
-              </a:defRPr>
-            </a:lvl5pPr>
-          </a:lstStyle>
-          <a:p>
-            <a:pPr lvl="0"/>
-            <a:r>
-              <a:rPr lang="en-US" dirty="0"/>
-              <a:t>Click to edit Master text styles</a:t>
-            </a:r>
-          </a:p>
-          <a:p>
-            <a:pPr lvl="1"/>
-            <a:r>
-              <a:rPr lang="en-US" dirty="0"/>
-              <a:t>Second level</a:t>
             </a:r>
           </a:p>
         </p:txBody>
@@ -2213,10 +2210,10 @@
       </p:sp>
       <p:sp>
         <p:nvSpPr>
-          <p:cNvPr id="22" name="Content Placeholder 21">
-            <a:extLst>
-              <a:ext uri="{FF2B5EF4-FFF2-40B4-BE49-F238E27FC236}">
-                <a16:creationId xmlns:a16="http://schemas.microsoft.com/office/drawing/2014/main" id="{9E2367A4-091D-80F8-3CB1-F93538EE1B6C}"/>
+          <p:cNvPr id="23" name="Text Placeholder 19">
+            <a:extLst>
+              <a:ext uri="{FF2B5EF4-FFF2-40B4-BE49-F238E27FC236}">
+                <a16:creationId xmlns:a16="http://schemas.microsoft.com/office/drawing/2014/main" id="{4B41F9F1-58CD-F7D7-C83B-FD4DC2C9D1AF}"/>
               </a:ext>
             </a:extLst>
           </p:cNvPr>
@@ -2224,13 +2221,306 @@
             <a:spLocks noGrp="1"/>
           </p:cNvSpPr>
           <p:nvPr>
-            <p:ph sz="quarter" idx="11"/>
+            <p:ph type="body" sz="quarter" idx="12"/>
           </p:nvPr>
         </p:nvSpPr>
         <p:spPr>
           <a:xfrm>
-            <a:off x="0" y="6492885"/>
-            <a:ext cx="9000000" cy="360000"/>
+            <a:off x="3780000" y="1512000"/>
+            <a:ext cx="7884041" cy="4620885"/>
+          </a:xfrm>
+          <a:prstGeom prst="rect">
+            <a:avLst/>
+          </a:prstGeom>
+        </p:spPr>
+        <p:txBody>
+          <a:bodyPr/>
+          <a:lstStyle>
+            <a:lvl1pPr>
+              <a:lnSpc>
+                <a:spcPct val="100000"/>
+              </a:lnSpc>
+              <a:defRPr sz="2000">
+                <a:latin typeface="Arial" panose="020B0604020202020204" pitchFamily="34" charset="0"/>
+                <a:cs typeface="Arial" panose="020B0604020202020204" pitchFamily="34" charset="0"/>
+              </a:defRPr>
+            </a:lvl1pPr>
+            <a:lvl2pPr marL="685750" indent="-228584">
+              <a:lnSpc>
+                <a:spcPct val="100000"/>
+              </a:lnSpc>
+              <a:buFont typeface="Wingdings" panose="05000000000000000000" pitchFamily="2" charset="2"/>
+              <a:buChar char="§"/>
+              <a:defRPr sz="1800">
+                <a:latin typeface="Arial" panose="020B0604020202020204" pitchFamily="34" charset="0"/>
+                <a:cs typeface="Arial" panose="020B0604020202020204" pitchFamily="34" charset="0"/>
+              </a:defRPr>
+            </a:lvl2pPr>
+            <a:lvl3pPr>
+              <a:defRPr sz="1600">
+                <a:latin typeface="Times New Roman" panose="02020603050405020304" pitchFamily="18" charset="0"/>
+                <a:cs typeface="Times New Roman" panose="02020603050405020304" pitchFamily="18" charset="0"/>
+              </a:defRPr>
+            </a:lvl3pPr>
+            <a:lvl4pPr>
+              <a:defRPr>
+                <a:latin typeface="Times New Roman" panose="02020603050405020304" pitchFamily="18" charset="0"/>
+                <a:cs typeface="Times New Roman" panose="02020603050405020304" pitchFamily="18" charset="0"/>
+              </a:defRPr>
+            </a:lvl4pPr>
+            <a:lvl5pPr>
+              <a:defRPr>
+                <a:latin typeface="Times New Roman" panose="02020603050405020304" pitchFamily="18" charset="0"/>
+                <a:cs typeface="Times New Roman" panose="02020603050405020304" pitchFamily="18" charset="0"/>
+              </a:defRPr>
+            </a:lvl5pPr>
+          </a:lstStyle>
+          <a:p>
+            <a:pPr lvl="0"/>
+            <a:r>
+              <a:rPr lang="en-US" dirty="0"/>
+              <a:t>Click to edit Master text styles</a:t>
+            </a:r>
+          </a:p>
+          <a:p>
+            <a:pPr lvl="1"/>
+            <a:r>
+              <a:rPr lang="en-US" dirty="0"/>
+              <a:t>Second level</a:t>
+            </a:r>
+          </a:p>
+        </p:txBody>
+      </p:sp>
+      <p:sp>
+        <p:nvSpPr>
+          <p:cNvPr id="6" name="Content Placeholder 5">
+            <a:extLst>
+              <a:ext uri="{FF2B5EF4-FFF2-40B4-BE49-F238E27FC236}">
+                <a16:creationId xmlns:a16="http://schemas.microsoft.com/office/drawing/2014/main" id="{8637B7CF-4702-1CC5-D501-7C3712805BE6}"/>
+              </a:ext>
+            </a:extLst>
+          </p:cNvPr>
+          <p:cNvSpPr>
+            <a:spLocks noGrp="1"/>
+          </p:cNvSpPr>
+          <p:nvPr>
+            <p:ph sz="quarter" idx="13"/>
+          </p:nvPr>
+        </p:nvSpPr>
+        <p:spPr>
+          <a:xfrm>
+            <a:off x="540000" y="1512000"/>
+            <a:ext cx="2880000" cy="2160000"/>
+          </a:xfrm>
+          <a:prstGeom prst="rect">
+            <a:avLst/>
+          </a:prstGeom>
+        </p:spPr>
+        <p:txBody>
+          <a:bodyPr/>
+          <a:lstStyle>
+            <a:lvl1pPr marL="457200" indent="-457200">
+              <a:buFont typeface="Arial" panose="020B0604020202020204" pitchFamily="34" charset="0"/>
+              <a:buChar char="•"/>
+              <a:defRPr lang="en-US" sz="2000" kern="1200" dirty="0" smtClean="0">
+                <a:solidFill>
+                  <a:schemeClr val="tx1"/>
+                </a:solidFill>
+                <a:latin typeface="Arial" panose="020B0604020202020204" pitchFamily="34" charset="0"/>
+                <a:ea typeface="+mn-ea"/>
+                <a:cs typeface="Arial" panose="020B0604020202020204" pitchFamily="34" charset="0"/>
+              </a:defRPr>
+            </a:lvl1pPr>
+            <a:lvl2pPr marL="800066" indent="-342900">
+              <a:buFont typeface="Wingdings" panose="05000000000000000000" pitchFamily="2" charset="2"/>
+              <a:buChar char="§"/>
+              <a:defRPr lang="en-US" sz="1800" kern="1200" dirty="0" smtClean="0">
+                <a:solidFill>
+                  <a:schemeClr val="tx1"/>
+                </a:solidFill>
+                <a:latin typeface="Arial" panose="020B0604020202020204" pitchFamily="34" charset="0"/>
+                <a:ea typeface="+mn-ea"/>
+                <a:cs typeface="Arial" panose="020B0604020202020204" pitchFamily="34" charset="0"/>
+              </a:defRPr>
+            </a:lvl2pPr>
+          </a:lstStyle>
+          <a:p>
+            <a:pPr lvl="0"/>
+            <a:r>
+              <a:rPr lang="en-US" dirty="0"/>
+              <a:t>Click to edit Master text styles</a:t>
+            </a:r>
+          </a:p>
+          <a:p>
+            <a:pPr marL="685750" lvl="1" indent="-228584" algn="l" defTabSz="914400" rtl="0" eaLnBrk="1" latinLnBrk="0" hangingPunct="1">
+              <a:lnSpc>
+                <a:spcPct val="100000"/>
+              </a:lnSpc>
+              <a:spcBef>
+                <a:spcPts val="500"/>
+              </a:spcBef>
+              <a:buFont typeface="Wingdings" panose="05000000000000000000" pitchFamily="2" charset="2"/>
+              <a:buChar char="§"/>
+            </a:pPr>
+            <a:r>
+              <a:rPr lang="en-US" dirty="0"/>
+              <a:t>Second level</a:t>
+            </a:r>
+          </a:p>
+          <a:p>
+            <a:pPr lvl="0"/>
+            <a:endParaRPr lang="en-US" dirty="0"/>
+          </a:p>
+        </p:txBody>
+      </p:sp>
+      <p:sp>
+        <p:nvSpPr>
+          <p:cNvPr id="8" name="Rectangle 7">
+            <a:extLst>
+              <a:ext uri="{FF2B5EF4-FFF2-40B4-BE49-F238E27FC236}">
+                <a16:creationId xmlns:a16="http://schemas.microsoft.com/office/drawing/2014/main" id="{1045CC7E-DB96-855C-E9D3-6928CC3B52BF}"/>
+              </a:ext>
+            </a:extLst>
+          </p:cNvPr>
+          <p:cNvSpPr/>
+          <p:nvPr userDrawn="1"/>
+        </p:nvSpPr>
+        <p:spPr>
+          <a:xfrm>
+            <a:off x="3420000" y="2789850"/>
+            <a:ext cx="360000" cy="360000"/>
+          </a:xfrm>
+          <a:prstGeom prst="rect">
+            <a:avLst/>
+          </a:prstGeom>
+        </p:spPr>
+        <p:style>
+          <a:lnRef idx="2">
+            <a:schemeClr val="accent1">
+              <a:shade val="15000"/>
+            </a:schemeClr>
+          </a:lnRef>
+          <a:fillRef idx="1">
+            <a:schemeClr val="accent1"/>
+          </a:fillRef>
+          <a:effectRef idx="0">
+            <a:schemeClr val="accent1"/>
+          </a:effectRef>
+          <a:fontRef idx="minor">
+            <a:schemeClr val="lt1"/>
+          </a:fontRef>
+        </p:style>
+        <p:txBody>
+          <a:bodyPr rtlCol="0" anchor="ctr"/>
+          <a:lstStyle/>
+          <a:p>
+            <a:pPr algn="ctr"/>
+            <a:endParaRPr lang="en-US"/>
+          </a:p>
+        </p:txBody>
+      </p:sp>
+      <p:sp>
+        <p:nvSpPr>
+          <p:cNvPr id="10" name="Content Placeholder 5">
+            <a:extLst>
+              <a:ext uri="{FF2B5EF4-FFF2-40B4-BE49-F238E27FC236}">
+                <a16:creationId xmlns:a16="http://schemas.microsoft.com/office/drawing/2014/main" id="{F5E152AA-84F3-7B63-CE68-DEB6F021E527}"/>
+              </a:ext>
+            </a:extLst>
+          </p:cNvPr>
+          <p:cNvSpPr>
+            <a:spLocks noGrp="1"/>
+          </p:cNvSpPr>
+          <p:nvPr>
+            <p:ph sz="quarter" idx="15"/>
+          </p:nvPr>
+        </p:nvSpPr>
+        <p:spPr>
+          <a:xfrm>
+            <a:off x="527959" y="3972885"/>
+            <a:ext cx="2880000" cy="2160000"/>
+          </a:xfrm>
+          <a:prstGeom prst="rect">
+            <a:avLst/>
+          </a:prstGeom>
+        </p:spPr>
+        <p:txBody>
+          <a:bodyPr/>
+          <a:lstStyle>
+            <a:lvl1pPr marL="457200" indent="-457200">
+              <a:buFont typeface="Arial" panose="020B0604020202020204" pitchFamily="34" charset="0"/>
+              <a:buChar char="•"/>
+              <a:defRPr lang="en-US" sz="2000" kern="1200" dirty="0" smtClean="0">
+                <a:solidFill>
+                  <a:schemeClr val="tx1"/>
+                </a:solidFill>
+                <a:latin typeface="Arial" panose="020B0604020202020204" pitchFamily="34" charset="0"/>
+                <a:ea typeface="+mn-ea"/>
+                <a:cs typeface="Arial" panose="020B0604020202020204" pitchFamily="34" charset="0"/>
+              </a:defRPr>
+            </a:lvl1pPr>
+            <a:lvl2pPr marL="800066" indent="-342900">
+              <a:buFont typeface="Wingdings" panose="05000000000000000000" pitchFamily="2" charset="2"/>
+              <a:buChar char="§"/>
+              <a:defRPr lang="en-US" sz="1800" kern="1200" dirty="0" smtClean="0">
+                <a:solidFill>
+                  <a:schemeClr val="tx1"/>
+                </a:solidFill>
+                <a:latin typeface="Arial" panose="020B0604020202020204" pitchFamily="34" charset="0"/>
+                <a:ea typeface="+mn-ea"/>
+                <a:cs typeface="Arial" panose="020B0604020202020204" pitchFamily="34" charset="0"/>
+              </a:defRPr>
+            </a:lvl2pPr>
+          </a:lstStyle>
+          <a:p>
+            <a:pPr lvl="0"/>
+            <a:r>
+              <a:rPr lang="en-US" dirty="0"/>
+              <a:t>Click to edit Master text styles</a:t>
+            </a:r>
+          </a:p>
+          <a:p>
+            <a:pPr marL="685750" lvl="1" indent="-228584" algn="l" defTabSz="914400" rtl="0" eaLnBrk="1" latinLnBrk="0" hangingPunct="1">
+              <a:lnSpc>
+                <a:spcPct val="100000"/>
+              </a:lnSpc>
+              <a:spcBef>
+                <a:spcPts val="500"/>
+              </a:spcBef>
+              <a:buFont typeface="Wingdings" panose="05000000000000000000" pitchFamily="2" charset="2"/>
+              <a:buChar char="§"/>
+            </a:pPr>
+            <a:r>
+              <a:rPr lang="en-US" dirty="0"/>
+              <a:t>Second level</a:t>
+            </a:r>
+          </a:p>
+          <a:p>
+            <a:pPr lvl="0"/>
+            <a:endParaRPr lang="en-US" dirty="0"/>
+          </a:p>
+        </p:txBody>
+      </p:sp>
+      <p:sp>
+        <p:nvSpPr>
+          <p:cNvPr id="7" name="Text Placeholder 2">
+            <a:extLst>
+              <a:ext uri="{FF2B5EF4-FFF2-40B4-BE49-F238E27FC236}">
+                <a16:creationId xmlns:a16="http://schemas.microsoft.com/office/drawing/2014/main" id="{3B041466-6DF9-BA20-21F5-48D1CDDF82AE}"/>
+              </a:ext>
+            </a:extLst>
+          </p:cNvPr>
+          <p:cNvSpPr>
+            <a:spLocks noGrp="1"/>
+          </p:cNvSpPr>
+          <p:nvPr>
+            <p:ph type="body" sz="quarter" idx="16"/>
+          </p:nvPr>
+        </p:nvSpPr>
+        <p:spPr>
+          <a:xfrm>
+            <a:off x="-9031" y="6485890"/>
+            <a:ext cx="9009031" cy="365125"/>
           </a:xfrm>
           <a:prstGeom prst="rect">
             <a:avLst/>
@@ -2240,18 +2530,19 @@
           <a:bodyPr/>
           <a:lstStyle>
             <a:lvl1pPr marL="0" indent="0">
-              <a:spcBef>
-                <a:spcPts val="0"/>
-              </a:spcBef>
               <a:buNone/>
-              <a:defRPr sz="1200">
+              <a:defRPr lang="en-US" sz="1200" kern="1200" dirty="0">
+                <a:solidFill>
+                  <a:schemeClr val="tx1"/>
+                </a:solidFill>
                 <a:latin typeface="Arial" panose="020B0604020202020204" pitchFamily="34" charset="0"/>
+                <a:ea typeface="+mn-ea"/>
                 <a:cs typeface="Arial" panose="020B0604020202020204" pitchFamily="34" charset="0"/>
               </a:defRPr>
             </a:lvl1pPr>
           </a:lstStyle>
           <a:p>
-            <a:pPr marL="0" marR="0" lvl="0" indent="0" algn="l" defTabSz="914332" rtl="0" eaLnBrk="1" fontAlgn="auto" latinLnBrk="0" hangingPunct="1">
+            <a:pPr marL="0" marR="0" lvl="0" indent="0" algn="l" defTabSz="914400" rtl="0" eaLnBrk="1" fontAlgn="auto" latinLnBrk="0" hangingPunct="1">
               <a:lnSpc>
                 <a:spcPct val="90000"/>
               </a:lnSpc>
@@ -2272,303 +2563,6 @@
               <a:rPr lang="en-US" dirty="0"/>
               <a:t>Click to edit Master text styles</a:t>
             </a:r>
-          </a:p>
-          <a:p>
-            <a:pPr lvl="0"/>
-            <a:endParaRPr lang="en-US" dirty="0"/>
-          </a:p>
-        </p:txBody>
-      </p:sp>
-      <p:sp>
-        <p:nvSpPr>
-          <p:cNvPr id="23" name="Text Placeholder 19">
-            <a:extLst>
-              <a:ext uri="{FF2B5EF4-FFF2-40B4-BE49-F238E27FC236}">
-                <a16:creationId xmlns:a16="http://schemas.microsoft.com/office/drawing/2014/main" id="{4B41F9F1-58CD-F7D7-C83B-FD4DC2C9D1AF}"/>
-              </a:ext>
-            </a:extLst>
-          </p:cNvPr>
-          <p:cNvSpPr>
-            <a:spLocks noGrp="1"/>
-          </p:cNvSpPr>
-          <p:nvPr>
-            <p:ph type="body" sz="quarter" idx="12"/>
-          </p:nvPr>
-        </p:nvSpPr>
-        <p:spPr>
-          <a:xfrm>
-            <a:off x="3780000" y="1512000"/>
-            <a:ext cx="7884041" cy="4620885"/>
-          </a:xfrm>
-          <a:prstGeom prst="rect">
-            <a:avLst/>
-          </a:prstGeom>
-        </p:spPr>
-        <p:txBody>
-          <a:bodyPr/>
-          <a:lstStyle>
-            <a:lvl1pPr>
-              <a:lnSpc>
-                <a:spcPct val="100000"/>
-              </a:lnSpc>
-              <a:defRPr sz="2000">
-                <a:latin typeface="Arial" panose="020B0604020202020204" pitchFamily="34" charset="0"/>
-                <a:cs typeface="Arial" panose="020B0604020202020204" pitchFamily="34" charset="0"/>
-              </a:defRPr>
-            </a:lvl1pPr>
-            <a:lvl2pPr marL="685750" indent="-228584">
-              <a:lnSpc>
-                <a:spcPct val="100000"/>
-              </a:lnSpc>
-              <a:buFont typeface="Wingdings" panose="05000000000000000000" pitchFamily="2" charset="2"/>
-              <a:buChar char="§"/>
-              <a:defRPr sz="1800">
-                <a:latin typeface="Arial" panose="020B0604020202020204" pitchFamily="34" charset="0"/>
-                <a:cs typeface="Arial" panose="020B0604020202020204" pitchFamily="34" charset="0"/>
-              </a:defRPr>
-            </a:lvl2pPr>
-            <a:lvl3pPr>
-              <a:defRPr sz="1600">
-                <a:latin typeface="Times New Roman" panose="02020603050405020304" pitchFamily="18" charset="0"/>
-                <a:cs typeface="Times New Roman" panose="02020603050405020304" pitchFamily="18" charset="0"/>
-              </a:defRPr>
-            </a:lvl3pPr>
-            <a:lvl4pPr>
-              <a:defRPr>
-                <a:latin typeface="Times New Roman" panose="02020603050405020304" pitchFamily="18" charset="0"/>
-                <a:cs typeface="Times New Roman" panose="02020603050405020304" pitchFamily="18" charset="0"/>
-              </a:defRPr>
-            </a:lvl4pPr>
-            <a:lvl5pPr>
-              <a:defRPr>
-                <a:latin typeface="Times New Roman" panose="02020603050405020304" pitchFamily="18" charset="0"/>
-                <a:cs typeface="Times New Roman" panose="02020603050405020304" pitchFamily="18" charset="0"/>
-              </a:defRPr>
-            </a:lvl5pPr>
-          </a:lstStyle>
-          <a:p>
-            <a:pPr lvl="0"/>
-            <a:r>
-              <a:rPr lang="en-US" dirty="0"/>
-              <a:t>Click to edit Master text styles</a:t>
-            </a:r>
-          </a:p>
-          <a:p>
-            <a:pPr lvl="1"/>
-            <a:r>
-              <a:rPr lang="en-US" dirty="0"/>
-              <a:t>Second level</a:t>
-            </a:r>
-          </a:p>
-        </p:txBody>
-      </p:sp>
-      <p:sp>
-        <p:nvSpPr>
-          <p:cNvPr id="6" name="Content Placeholder 5">
-            <a:extLst>
-              <a:ext uri="{FF2B5EF4-FFF2-40B4-BE49-F238E27FC236}">
-                <a16:creationId xmlns:a16="http://schemas.microsoft.com/office/drawing/2014/main" id="{8637B7CF-4702-1CC5-D501-7C3712805BE6}"/>
-              </a:ext>
-            </a:extLst>
-          </p:cNvPr>
-          <p:cNvSpPr>
-            <a:spLocks noGrp="1"/>
-          </p:cNvSpPr>
-          <p:nvPr>
-            <p:ph sz="quarter" idx="13"/>
-          </p:nvPr>
-        </p:nvSpPr>
-        <p:spPr>
-          <a:xfrm>
-            <a:off x="540000" y="1512000"/>
-            <a:ext cx="2880000" cy="2160000"/>
-          </a:xfrm>
-          <a:prstGeom prst="rect">
-            <a:avLst/>
-          </a:prstGeom>
-        </p:spPr>
-        <p:txBody>
-          <a:bodyPr/>
-          <a:lstStyle>
-            <a:lvl1pPr marL="457200" indent="-457200">
-              <a:buFont typeface="Arial" panose="020B0604020202020204" pitchFamily="34" charset="0"/>
-              <a:buChar char="•"/>
-              <a:defRPr lang="en-US" sz="2000" kern="1200" dirty="0" smtClean="0">
-                <a:solidFill>
-                  <a:schemeClr val="tx1"/>
-                </a:solidFill>
-                <a:latin typeface="Arial" panose="020B0604020202020204" pitchFamily="34" charset="0"/>
-                <a:ea typeface="+mn-ea"/>
-                <a:cs typeface="Arial" panose="020B0604020202020204" pitchFamily="34" charset="0"/>
-              </a:defRPr>
-            </a:lvl1pPr>
-            <a:lvl2pPr marL="800066" indent="-342900">
-              <a:buFont typeface="Wingdings" panose="05000000000000000000" pitchFamily="2" charset="2"/>
-              <a:buChar char="§"/>
-              <a:defRPr lang="en-US" sz="1800" kern="1200" dirty="0" smtClean="0">
-                <a:solidFill>
-                  <a:schemeClr val="tx1"/>
-                </a:solidFill>
-                <a:latin typeface="Arial" panose="020B0604020202020204" pitchFamily="34" charset="0"/>
-                <a:ea typeface="+mn-ea"/>
-                <a:cs typeface="Arial" panose="020B0604020202020204" pitchFamily="34" charset="0"/>
-              </a:defRPr>
-            </a:lvl2pPr>
-          </a:lstStyle>
-          <a:p>
-            <a:pPr lvl="0"/>
-            <a:r>
-              <a:rPr lang="en-US" dirty="0"/>
-              <a:t>Click to edit Master text styles</a:t>
-            </a:r>
-          </a:p>
-          <a:p>
-            <a:pPr marL="685750" lvl="1" indent="-228584" algn="l" defTabSz="914400" rtl="0" eaLnBrk="1" latinLnBrk="0" hangingPunct="1">
-              <a:lnSpc>
-                <a:spcPct val="100000"/>
-              </a:lnSpc>
-              <a:spcBef>
-                <a:spcPts val="500"/>
-              </a:spcBef>
-              <a:buFont typeface="Wingdings" panose="05000000000000000000" pitchFamily="2" charset="2"/>
-              <a:buChar char="§"/>
-            </a:pPr>
-            <a:r>
-              <a:rPr lang="en-US" dirty="0"/>
-              <a:t>Second level</a:t>
-            </a:r>
-          </a:p>
-          <a:p>
-            <a:pPr lvl="0"/>
-            <a:endParaRPr lang="en-US" dirty="0"/>
-          </a:p>
-        </p:txBody>
-      </p:sp>
-      <p:sp>
-        <p:nvSpPr>
-          <p:cNvPr id="8" name="Rectangle 7">
-            <a:extLst>
-              <a:ext uri="{FF2B5EF4-FFF2-40B4-BE49-F238E27FC236}">
-                <a16:creationId xmlns:a16="http://schemas.microsoft.com/office/drawing/2014/main" id="{1045CC7E-DB96-855C-E9D3-6928CC3B52BF}"/>
-              </a:ext>
-            </a:extLst>
-          </p:cNvPr>
-          <p:cNvSpPr/>
-          <p:nvPr userDrawn="1"/>
-        </p:nvSpPr>
-        <p:spPr>
-          <a:xfrm>
-            <a:off x="3420000" y="2789850"/>
-            <a:ext cx="360000" cy="360000"/>
-          </a:xfrm>
-          <a:prstGeom prst="rect">
-            <a:avLst/>
-          </a:prstGeom>
-        </p:spPr>
-        <p:style>
-          <a:lnRef idx="2">
-            <a:schemeClr val="accent1">
-              <a:shade val="15000"/>
-            </a:schemeClr>
-          </a:lnRef>
-          <a:fillRef idx="1">
-            <a:schemeClr val="accent1"/>
-          </a:fillRef>
-          <a:effectRef idx="0">
-            <a:schemeClr val="accent1"/>
-          </a:effectRef>
-          <a:fontRef idx="minor">
-            <a:schemeClr val="lt1"/>
-          </a:fontRef>
-        </p:style>
-        <p:txBody>
-          <a:bodyPr rtlCol="0" anchor="ctr"/>
-          <a:lstStyle/>
-          <a:p>
-            <a:pPr algn="ctr"/>
-            <a:endParaRPr lang="en-US"/>
-          </a:p>
-        </p:txBody>
-      </p:sp>
-      <p:sp>
-        <p:nvSpPr>
-          <p:cNvPr id="10" name="Content Placeholder 5">
-            <a:extLst>
-              <a:ext uri="{FF2B5EF4-FFF2-40B4-BE49-F238E27FC236}">
-                <a16:creationId xmlns:a16="http://schemas.microsoft.com/office/drawing/2014/main" id="{F5E152AA-84F3-7B63-CE68-DEB6F021E527}"/>
-              </a:ext>
-            </a:extLst>
-          </p:cNvPr>
-          <p:cNvSpPr>
-            <a:spLocks noGrp="1"/>
-          </p:cNvSpPr>
-          <p:nvPr>
-            <p:ph sz="quarter" idx="15"/>
-          </p:nvPr>
-        </p:nvSpPr>
-        <p:spPr>
-          <a:xfrm>
-            <a:off x="527959" y="3972885"/>
-            <a:ext cx="2880000" cy="2160000"/>
-          </a:xfrm>
-          <a:prstGeom prst="rect">
-            <a:avLst/>
-          </a:prstGeom>
-        </p:spPr>
-        <p:txBody>
-          <a:bodyPr/>
-          <a:lstStyle>
-            <a:lvl1pPr marL="457200" indent="-457200">
-              <a:buFont typeface="Arial" panose="020B0604020202020204" pitchFamily="34" charset="0"/>
-              <a:buChar char="•"/>
-              <a:defRPr lang="en-US" sz="2000" kern="1200" dirty="0" smtClean="0">
-                <a:solidFill>
-                  <a:schemeClr val="tx1"/>
-                </a:solidFill>
-                <a:latin typeface="Arial" panose="020B0604020202020204" pitchFamily="34" charset="0"/>
-                <a:ea typeface="+mn-ea"/>
-                <a:cs typeface="Arial" panose="020B0604020202020204" pitchFamily="34" charset="0"/>
-              </a:defRPr>
-            </a:lvl1pPr>
-            <a:lvl2pPr marL="800066" indent="-342900">
-              <a:buFont typeface="Wingdings" panose="05000000000000000000" pitchFamily="2" charset="2"/>
-              <a:buChar char="§"/>
-              <a:defRPr lang="en-US" sz="1800" kern="1200" dirty="0" smtClean="0">
-                <a:solidFill>
-                  <a:schemeClr val="tx1"/>
-                </a:solidFill>
-                <a:latin typeface="Arial" panose="020B0604020202020204" pitchFamily="34" charset="0"/>
-                <a:ea typeface="+mn-ea"/>
-                <a:cs typeface="Arial" panose="020B0604020202020204" pitchFamily="34" charset="0"/>
-              </a:defRPr>
-            </a:lvl2pPr>
-          </a:lstStyle>
-          <a:p>
-            <a:pPr lvl="0"/>
-            <a:r>
-              <a:rPr lang="en-US" dirty="0"/>
-              <a:t>Click to edit Master text styles</a:t>
-            </a:r>
-          </a:p>
-          <a:p>
-            <a:pPr marL="685750" lvl="1" indent="-228584" algn="l" defTabSz="914400" rtl="0" eaLnBrk="1" latinLnBrk="0" hangingPunct="1">
-              <a:lnSpc>
-                <a:spcPct val="100000"/>
-              </a:lnSpc>
-              <a:spcBef>
-                <a:spcPts val="500"/>
-              </a:spcBef>
-              <a:buFont typeface="Wingdings" panose="05000000000000000000" pitchFamily="2" charset="2"/>
-              <a:buChar char="§"/>
-            </a:pPr>
-            <a:r>
-              <a:rPr lang="en-US" dirty="0"/>
-              <a:t>Second level</a:t>
-            </a:r>
-          </a:p>
-          <a:p>
-            <a:pPr lvl="0"/>
-            <a:endParaRPr lang="en-US" dirty="0"/>
           </a:p>
         </p:txBody>
       </p:sp>
@@ -2810,10 +2804,10 @@
       </p:sp>
       <p:sp>
         <p:nvSpPr>
-          <p:cNvPr id="22" name="Content Placeholder 21">
-            <a:extLst>
-              <a:ext uri="{FF2B5EF4-FFF2-40B4-BE49-F238E27FC236}">
-                <a16:creationId xmlns:a16="http://schemas.microsoft.com/office/drawing/2014/main" id="{9E2367A4-091D-80F8-3CB1-F93538EE1B6C}"/>
+          <p:cNvPr id="23" name="Text Placeholder 19">
+            <a:extLst>
+              <a:ext uri="{FF2B5EF4-FFF2-40B4-BE49-F238E27FC236}">
+                <a16:creationId xmlns:a16="http://schemas.microsoft.com/office/drawing/2014/main" id="{4B41F9F1-58CD-F7D7-C83B-FD4DC2C9D1AF}"/>
               </a:ext>
             </a:extLst>
           </p:cNvPr>
@@ -2821,13 +2815,424 @@
             <a:spLocks noGrp="1"/>
           </p:cNvSpPr>
           <p:nvPr>
-            <p:ph sz="quarter" idx="11"/>
+            <p:ph type="body" sz="quarter" idx="12"/>
           </p:nvPr>
         </p:nvSpPr>
         <p:spPr>
           <a:xfrm>
-            <a:off x="0" y="6492885"/>
-            <a:ext cx="9000000" cy="360000"/>
+            <a:off x="7044082" y="1512000"/>
+            <a:ext cx="4619959" cy="4620885"/>
+          </a:xfrm>
+          <a:prstGeom prst="rect">
+            <a:avLst/>
+          </a:prstGeom>
+        </p:spPr>
+        <p:txBody>
+          <a:bodyPr/>
+          <a:lstStyle>
+            <a:lvl1pPr>
+              <a:lnSpc>
+                <a:spcPct val="100000"/>
+              </a:lnSpc>
+              <a:defRPr sz="2000">
+                <a:latin typeface="Arial" panose="020B0604020202020204" pitchFamily="34" charset="0"/>
+                <a:cs typeface="Arial" panose="020B0604020202020204" pitchFamily="34" charset="0"/>
+              </a:defRPr>
+            </a:lvl1pPr>
+            <a:lvl2pPr marL="685750" indent="-228584">
+              <a:lnSpc>
+                <a:spcPct val="100000"/>
+              </a:lnSpc>
+              <a:buFont typeface="Wingdings" panose="05000000000000000000" pitchFamily="2" charset="2"/>
+              <a:buChar char="§"/>
+              <a:defRPr sz="1800">
+                <a:latin typeface="Arial" panose="020B0604020202020204" pitchFamily="34" charset="0"/>
+                <a:cs typeface="Arial" panose="020B0604020202020204" pitchFamily="34" charset="0"/>
+              </a:defRPr>
+            </a:lvl2pPr>
+            <a:lvl3pPr>
+              <a:defRPr sz="1600">
+                <a:latin typeface="Times New Roman" panose="02020603050405020304" pitchFamily="18" charset="0"/>
+                <a:cs typeface="Times New Roman" panose="02020603050405020304" pitchFamily="18" charset="0"/>
+              </a:defRPr>
+            </a:lvl3pPr>
+            <a:lvl4pPr>
+              <a:defRPr>
+                <a:latin typeface="Times New Roman" panose="02020603050405020304" pitchFamily="18" charset="0"/>
+                <a:cs typeface="Times New Roman" panose="02020603050405020304" pitchFamily="18" charset="0"/>
+              </a:defRPr>
+            </a:lvl4pPr>
+            <a:lvl5pPr>
+              <a:defRPr>
+                <a:latin typeface="Times New Roman" panose="02020603050405020304" pitchFamily="18" charset="0"/>
+                <a:cs typeface="Times New Roman" panose="02020603050405020304" pitchFamily="18" charset="0"/>
+              </a:defRPr>
+            </a:lvl5pPr>
+          </a:lstStyle>
+          <a:p>
+            <a:pPr lvl="0"/>
+            <a:r>
+              <a:rPr lang="en-US" dirty="0"/>
+              <a:t>Click to edit Master text styles</a:t>
+            </a:r>
+          </a:p>
+          <a:p>
+            <a:pPr lvl="1"/>
+            <a:r>
+              <a:rPr lang="en-US" dirty="0"/>
+              <a:t>Second level</a:t>
+            </a:r>
+          </a:p>
+        </p:txBody>
+      </p:sp>
+      <p:sp>
+        <p:nvSpPr>
+          <p:cNvPr id="6" name="Content Placeholder 5">
+            <a:extLst>
+              <a:ext uri="{FF2B5EF4-FFF2-40B4-BE49-F238E27FC236}">
+                <a16:creationId xmlns:a16="http://schemas.microsoft.com/office/drawing/2014/main" id="{8637B7CF-4702-1CC5-D501-7C3712805BE6}"/>
+              </a:ext>
+            </a:extLst>
+          </p:cNvPr>
+          <p:cNvSpPr>
+            <a:spLocks noGrp="1"/>
+          </p:cNvSpPr>
+          <p:nvPr>
+            <p:ph sz="quarter" idx="13"/>
+          </p:nvPr>
+        </p:nvSpPr>
+        <p:spPr>
+          <a:xfrm>
+            <a:off x="540000" y="1512000"/>
+            <a:ext cx="2880000" cy="2160000"/>
+          </a:xfrm>
+          <a:prstGeom prst="rect">
+            <a:avLst/>
+          </a:prstGeom>
+        </p:spPr>
+        <p:txBody>
+          <a:bodyPr/>
+          <a:lstStyle>
+            <a:lvl1pPr marL="457200" indent="-457200">
+              <a:buFont typeface="Arial" panose="020B0604020202020204" pitchFamily="34" charset="0"/>
+              <a:buChar char="•"/>
+              <a:defRPr lang="en-US" sz="2000" kern="1200" dirty="0" smtClean="0">
+                <a:solidFill>
+                  <a:schemeClr val="tx1"/>
+                </a:solidFill>
+                <a:latin typeface="Arial" panose="020B0604020202020204" pitchFamily="34" charset="0"/>
+                <a:ea typeface="+mn-ea"/>
+                <a:cs typeface="Arial" panose="020B0604020202020204" pitchFamily="34" charset="0"/>
+              </a:defRPr>
+            </a:lvl1pPr>
+            <a:lvl2pPr marL="800066" indent="-342900">
+              <a:buFont typeface="Wingdings" panose="05000000000000000000" pitchFamily="2" charset="2"/>
+              <a:buChar char="§"/>
+              <a:defRPr lang="en-US" sz="1800" kern="1200" dirty="0" smtClean="0">
+                <a:solidFill>
+                  <a:schemeClr val="tx1"/>
+                </a:solidFill>
+                <a:latin typeface="Arial" panose="020B0604020202020204" pitchFamily="34" charset="0"/>
+                <a:ea typeface="+mn-ea"/>
+                <a:cs typeface="Arial" panose="020B0604020202020204" pitchFamily="34" charset="0"/>
+              </a:defRPr>
+            </a:lvl2pPr>
+          </a:lstStyle>
+          <a:p>
+            <a:pPr lvl="0"/>
+            <a:r>
+              <a:rPr lang="en-US" dirty="0"/>
+              <a:t>Click to edit Master text styles</a:t>
+            </a:r>
+          </a:p>
+          <a:p>
+            <a:pPr marL="685750" lvl="1" indent="-228584" algn="l" defTabSz="914400" rtl="0" eaLnBrk="1" latinLnBrk="0" hangingPunct="1">
+              <a:lnSpc>
+                <a:spcPct val="100000"/>
+              </a:lnSpc>
+              <a:spcBef>
+                <a:spcPts val="500"/>
+              </a:spcBef>
+              <a:buFont typeface="Wingdings" panose="05000000000000000000" pitchFamily="2" charset="2"/>
+              <a:buChar char="§"/>
+            </a:pPr>
+            <a:r>
+              <a:rPr lang="en-US" dirty="0"/>
+              <a:t>Second level</a:t>
+            </a:r>
+          </a:p>
+          <a:p>
+            <a:pPr lvl="0"/>
+            <a:endParaRPr lang="en-US" dirty="0"/>
+          </a:p>
+        </p:txBody>
+      </p:sp>
+      <p:sp>
+        <p:nvSpPr>
+          <p:cNvPr id="10" name="Content Placeholder 5">
+            <a:extLst>
+              <a:ext uri="{FF2B5EF4-FFF2-40B4-BE49-F238E27FC236}">
+                <a16:creationId xmlns:a16="http://schemas.microsoft.com/office/drawing/2014/main" id="{F5E152AA-84F3-7B63-CE68-DEB6F021E527}"/>
+              </a:ext>
+            </a:extLst>
+          </p:cNvPr>
+          <p:cNvSpPr>
+            <a:spLocks noGrp="1"/>
+          </p:cNvSpPr>
+          <p:nvPr>
+            <p:ph sz="quarter" idx="15"/>
+          </p:nvPr>
+        </p:nvSpPr>
+        <p:spPr>
+          <a:xfrm>
+            <a:off x="527959" y="3972885"/>
+            <a:ext cx="2880000" cy="2160000"/>
+          </a:xfrm>
+          <a:prstGeom prst="rect">
+            <a:avLst/>
+          </a:prstGeom>
+        </p:spPr>
+        <p:txBody>
+          <a:bodyPr/>
+          <a:lstStyle>
+            <a:lvl1pPr marL="457200" indent="-457200">
+              <a:buFont typeface="Arial" panose="020B0604020202020204" pitchFamily="34" charset="0"/>
+              <a:buChar char="•"/>
+              <a:defRPr lang="en-US" sz="2000" kern="1200" dirty="0" smtClean="0">
+                <a:solidFill>
+                  <a:schemeClr val="tx1"/>
+                </a:solidFill>
+                <a:latin typeface="Arial" panose="020B0604020202020204" pitchFamily="34" charset="0"/>
+                <a:ea typeface="+mn-ea"/>
+                <a:cs typeface="Arial" panose="020B0604020202020204" pitchFamily="34" charset="0"/>
+              </a:defRPr>
+            </a:lvl1pPr>
+            <a:lvl2pPr marL="800066" indent="-342900">
+              <a:buFont typeface="Wingdings" panose="05000000000000000000" pitchFamily="2" charset="2"/>
+              <a:buChar char="§"/>
+              <a:defRPr lang="en-US" sz="1800" kern="1200" dirty="0" smtClean="0">
+                <a:solidFill>
+                  <a:schemeClr val="tx1"/>
+                </a:solidFill>
+                <a:latin typeface="Arial" panose="020B0604020202020204" pitchFamily="34" charset="0"/>
+                <a:ea typeface="+mn-ea"/>
+                <a:cs typeface="Arial" panose="020B0604020202020204" pitchFamily="34" charset="0"/>
+              </a:defRPr>
+            </a:lvl2pPr>
+          </a:lstStyle>
+          <a:p>
+            <a:pPr lvl="0"/>
+            <a:r>
+              <a:rPr lang="en-US" dirty="0"/>
+              <a:t>Click to edit Master text styles</a:t>
+            </a:r>
+          </a:p>
+          <a:p>
+            <a:pPr marL="685750" lvl="1" indent="-228584" algn="l" defTabSz="914400" rtl="0" eaLnBrk="1" latinLnBrk="0" hangingPunct="1">
+              <a:lnSpc>
+                <a:spcPct val="100000"/>
+              </a:lnSpc>
+              <a:spcBef>
+                <a:spcPts val="500"/>
+              </a:spcBef>
+              <a:buFont typeface="Wingdings" panose="05000000000000000000" pitchFamily="2" charset="2"/>
+              <a:buChar char="§"/>
+            </a:pPr>
+            <a:r>
+              <a:rPr lang="en-US" dirty="0"/>
+              <a:t>Second level</a:t>
+            </a:r>
+          </a:p>
+          <a:p>
+            <a:pPr lvl="0"/>
+            <a:endParaRPr lang="en-US" dirty="0"/>
+          </a:p>
+        </p:txBody>
+      </p:sp>
+      <p:sp>
+        <p:nvSpPr>
+          <p:cNvPr id="5" name="Content Placeholder 5">
+            <a:extLst>
+              <a:ext uri="{FF2B5EF4-FFF2-40B4-BE49-F238E27FC236}">
+                <a16:creationId xmlns:a16="http://schemas.microsoft.com/office/drawing/2014/main" id="{B77054B5-3845-DAC0-B351-E1DB6E561635}"/>
+              </a:ext>
+            </a:extLst>
+          </p:cNvPr>
+          <p:cNvSpPr>
+            <a:spLocks noGrp="1"/>
+          </p:cNvSpPr>
+          <p:nvPr>
+            <p:ph sz="quarter" idx="16"/>
+          </p:nvPr>
+        </p:nvSpPr>
+        <p:spPr>
+          <a:xfrm>
+            <a:off x="3792041" y="1512000"/>
+            <a:ext cx="2880000" cy="2160000"/>
+          </a:xfrm>
+          <a:prstGeom prst="rect">
+            <a:avLst/>
+          </a:prstGeom>
+        </p:spPr>
+        <p:txBody>
+          <a:bodyPr/>
+          <a:lstStyle>
+            <a:lvl1pPr marL="457200" indent="-457200">
+              <a:buFont typeface="Arial" panose="020B0604020202020204" pitchFamily="34" charset="0"/>
+              <a:buChar char="•"/>
+              <a:defRPr lang="en-US" sz="2000" kern="1200" dirty="0" smtClean="0">
+                <a:solidFill>
+                  <a:schemeClr val="tx1"/>
+                </a:solidFill>
+                <a:latin typeface="Arial" panose="020B0604020202020204" pitchFamily="34" charset="0"/>
+                <a:ea typeface="+mn-ea"/>
+                <a:cs typeface="Arial" panose="020B0604020202020204" pitchFamily="34" charset="0"/>
+              </a:defRPr>
+            </a:lvl1pPr>
+            <a:lvl2pPr marL="800066" indent="-342900">
+              <a:buFont typeface="Wingdings" panose="05000000000000000000" pitchFamily="2" charset="2"/>
+              <a:buChar char="§"/>
+              <a:defRPr lang="en-US" sz="1800" kern="1200" dirty="0" smtClean="0">
+                <a:solidFill>
+                  <a:schemeClr val="tx1"/>
+                </a:solidFill>
+                <a:latin typeface="Arial" panose="020B0604020202020204" pitchFamily="34" charset="0"/>
+                <a:ea typeface="+mn-ea"/>
+                <a:cs typeface="Arial" panose="020B0604020202020204" pitchFamily="34" charset="0"/>
+              </a:defRPr>
+            </a:lvl2pPr>
+          </a:lstStyle>
+          <a:p>
+            <a:pPr lvl="0"/>
+            <a:r>
+              <a:rPr lang="en-US" dirty="0"/>
+              <a:t>Click to edit Master text styles</a:t>
+            </a:r>
+          </a:p>
+          <a:p>
+            <a:pPr marL="685750" lvl="1" indent="-228584" algn="l" defTabSz="914400" rtl="0" eaLnBrk="1" latinLnBrk="0" hangingPunct="1">
+              <a:lnSpc>
+                <a:spcPct val="100000"/>
+              </a:lnSpc>
+              <a:spcBef>
+                <a:spcPts val="500"/>
+              </a:spcBef>
+              <a:buFont typeface="Wingdings" panose="05000000000000000000" pitchFamily="2" charset="2"/>
+              <a:buChar char="§"/>
+            </a:pPr>
+            <a:r>
+              <a:rPr lang="en-US" dirty="0"/>
+              <a:t>Second level</a:t>
+            </a:r>
+          </a:p>
+          <a:p>
+            <a:pPr lvl="0"/>
+            <a:endParaRPr lang="en-US" dirty="0"/>
+          </a:p>
+        </p:txBody>
+      </p:sp>
+      <p:sp>
+        <p:nvSpPr>
+          <p:cNvPr id="7" name="Content Placeholder 5">
+            <a:extLst>
+              <a:ext uri="{FF2B5EF4-FFF2-40B4-BE49-F238E27FC236}">
+                <a16:creationId xmlns:a16="http://schemas.microsoft.com/office/drawing/2014/main" id="{40C0F899-6876-D2D6-6A6B-D295E092DC42}"/>
+              </a:ext>
+            </a:extLst>
+          </p:cNvPr>
+          <p:cNvSpPr>
+            <a:spLocks noGrp="1"/>
+          </p:cNvSpPr>
+          <p:nvPr>
+            <p:ph sz="quarter" idx="17"/>
+          </p:nvPr>
+        </p:nvSpPr>
+        <p:spPr>
+          <a:xfrm>
+            <a:off x="3780000" y="3972885"/>
+            <a:ext cx="2880000" cy="2160000"/>
+          </a:xfrm>
+          <a:prstGeom prst="rect">
+            <a:avLst/>
+          </a:prstGeom>
+        </p:spPr>
+        <p:txBody>
+          <a:bodyPr/>
+          <a:lstStyle>
+            <a:lvl1pPr marL="457200" indent="-457200">
+              <a:buFont typeface="Arial" panose="020B0604020202020204" pitchFamily="34" charset="0"/>
+              <a:buChar char="•"/>
+              <a:defRPr lang="en-US" sz="2000" kern="1200" dirty="0" smtClean="0">
+                <a:solidFill>
+                  <a:schemeClr val="tx1"/>
+                </a:solidFill>
+                <a:latin typeface="Arial" panose="020B0604020202020204" pitchFamily="34" charset="0"/>
+                <a:ea typeface="+mn-ea"/>
+                <a:cs typeface="Arial" panose="020B0604020202020204" pitchFamily="34" charset="0"/>
+              </a:defRPr>
+            </a:lvl1pPr>
+            <a:lvl2pPr marL="800066" indent="-342900">
+              <a:buFont typeface="Wingdings" panose="05000000000000000000" pitchFamily="2" charset="2"/>
+              <a:buChar char="§"/>
+              <a:defRPr lang="en-US" sz="1800" kern="1200" dirty="0" smtClean="0">
+                <a:solidFill>
+                  <a:schemeClr val="tx1"/>
+                </a:solidFill>
+                <a:latin typeface="Arial" panose="020B0604020202020204" pitchFamily="34" charset="0"/>
+                <a:ea typeface="+mn-ea"/>
+                <a:cs typeface="Arial" panose="020B0604020202020204" pitchFamily="34" charset="0"/>
+              </a:defRPr>
+            </a:lvl2pPr>
+          </a:lstStyle>
+          <a:p>
+            <a:pPr lvl="0"/>
+            <a:r>
+              <a:rPr lang="en-US" dirty="0"/>
+              <a:t>Click to edit Master text styles</a:t>
+            </a:r>
+          </a:p>
+          <a:p>
+            <a:pPr marL="685750" lvl="1" indent="-228584" algn="l" defTabSz="914400" rtl="0" eaLnBrk="1" latinLnBrk="0" hangingPunct="1">
+              <a:lnSpc>
+                <a:spcPct val="100000"/>
+              </a:lnSpc>
+              <a:spcBef>
+                <a:spcPts val="500"/>
+              </a:spcBef>
+              <a:buFont typeface="Wingdings" panose="05000000000000000000" pitchFamily="2" charset="2"/>
+              <a:buChar char="§"/>
+            </a:pPr>
+            <a:r>
+              <a:rPr lang="en-US" dirty="0"/>
+              <a:t>Second level</a:t>
+            </a:r>
+          </a:p>
+          <a:p>
+            <a:pPr lvl="0"/>
+            <a:endParaRPr lang="en-US" dirty="0"/>
+          </a:p>
+        </p:txBody>
+      </p:sp>
+      <p:sp>
+        <p:nvSpPr>
+          <p:cNvPr id="8" name="Text Placeholder 2">
+            <a:extLst>
+              <a:ext uri="{FF2B5EF4-FFF2-40B4-BE49-F238E27FC236}">
+                <a16:creationId xmlns:a16="http://schemas.microsoft.com/office/drawing/2014/main" id="{1BD40221-3FA1-E135-0CB6-E557B072F832}"/>
+              </a:ext>
+            </a:extLst>
+          </p:cNvPr>
+          <p:cNvSpPr>
+            <a:spLocks noGrp="1"/>
+          </p:cNvSpPr>
+          <p:nvPr>
+            <p:ph type="body" sz="quarter" idx="18"/>
+          </p:nvPr>
+        </p:nvSpPr>
+        <p:spPr>
+          <a:xfrm>
+            <a:off x="-9031" y="6485890"/>
+            <a:ext cx="9009031" cy="365125"/>
           </a:xfrm>
           <a:prstGeom prst="rect">
             <a:avLst/>
@@ -2837,18 +3242,19 @@
           <a:bodyPr/>
           <a:lstStyle>
             <a:lvl1pPr marL="0" indent="0">
-              <a:spcBef>
-                <a:spcPts val="0"/>
-              </a:spcBef>
               <a:buNone/>
-              <a:defRPr sz="1200">
+              <a:defRPr lang="en-US" sz="1200" kern="1200" dirty="0">
+                <a:solidFill>
+                  <a:schemeClr val="tx1"/>
+                </a:solidFill>
                 <a:latin typeface="Arial" panose="020B0604020202020204" pitchFamily="34" charset="0"/>
+                <a:ea typeface="+mn-ea"/>
                 <a:cs typeface="Arial" panose="020B0604020202020204" pitchFamily="34" charset="0"/>
               </a:defRPr>
             </a:lvl1pPr>
           </a:lstStyle>
           <a:p>
-            <a:pPr marL="0" marR="0" lvl="0" indent="0" algn="l" defTabSz="914332" rtl="0" eaLnBrk="1" fontAlgn="auto" latinLnBrk="0" hangingPunct="1">
+            <a:pPr marL="0" marR="0" lvl="0" indent="0" algn="l" defTabSz="914400" rtl="0" eaLnBrk="1" fontAlgn="auto" latinLnBrk="0" hangingPunct="1">
               <a:lnSpc>
                 <a:spcPct val="90000"/>
               </a:lnSpc>
@@ -2869,421 +3275,6 @@
               <a:rPr lang="en-US" dirty="0"/>
               <a:t>Click to edit Master text styles</a:t>
             </a:r>
-          </a:p>
-          <a:p>
-            <a:pPr lvl="0"/>
-            <a:endParaRPr lang="en-US" dirty="0"/>
-          </a:p>
-        </p:txBody>
-      </p:sp>
-      <p:sp>
-        <p:nvSpPr>
-          <p:cNvPr id="23" name="Text Placeholder 19">
-            <a:extLst>
-              <a:ext uri="{FF2B5EF4-FFF2-40B4-BE49-F238E27FC236}">
-                <a16:creationId xmlns:a16="http://schemas.microsoft.com/office/drawing/2014/main" id="{4B41F9F1-58CD-F7D7-C83B-FD4DC2C9D1AF}"/>
-              </a:ext>
-            </a:extLst>
-          </p:cNvPr>
-          <p:cNvSpPr>
-            <a:spLocks noGrp="1"/>
-          </p:cNvSpPr>
-          <p:nvPr>
-            <p:ph type="body" sz="quarter" idx="12"/>
-          </p:nvPr>
-        </p:nvSpPr>
-        <p:spPr>
-          <a:xfrm>
-            <a:off x="7044082" y="1512000"/>
-            <a:ext cx="4619959" cy="4620885"/>
-          </a:xfrm>
-          <a:prstGeom prst="rect">
-            <a:avLst/>
-          </a:prstGeom>
-        </p:spPr>
-        <p:txBody>
-          <a:bodyPr/>
-          <a:lstStyle>
-            <a:lvl1pPr>
-              <a:lnSpc>
-                <a:spcPct val="100000"/>
-              </a:lnSpc>
-              <a:defRPr sz="2000">
-                <a:latin typeface="Arial" panose="020B0604020202020204" pitchFamily="34" charset="0"/>
-                <a:cs typeface="Arial" panose="020B0604020202020204" pitchFamily="34" charset="0"/>
-              </a:defRPr>
-            </a:lvl1pPr>
-            <a:lvl2pPr marL="685750" indent="-228584">
-              <a:lnSpc>
-                <a:spcPct val="100000"/>
-              </a:lnSpc>
-              <a:buFont typeface="Wingdings" panose="05000000000000000000" pitchFamily="2" charset="2"/>
-              <a:buChar char="§"/>
-              <a:defRPr sz="1800">
-                <a:latin typeface="Arial" panose="020B0604020202020204" pitchFamily="34" charset="0"/>
-                <a:cs typeface="Arial" panose="020B0604020202020204" pitchFamily="34" charset="0"/>
-              </a:defRPr>
-            </a:lvl2pPr>
-            <a:lvl3pPr>
-              <a:defRPr sz="1600">
-                <a:latin typeface="Times New Roman" panose="02020603050405020304" pitchFamily="18" charset="0"/>
-                <a:cs typeface="Times New Roman" panose="02020603050405020304" pitchFamily="18" charset="0"/>
-              </a:defRPr>
-            </a:lvl3pPr>
-            <a:lvl4pPr>
-              <a:defRPr>
-                <a:latin typeface="Times New Roman" panose="02020603050405020304" pitchFamily="18" charset="0"/>
-                <a:cs typeface="Times New Roman" panose="02020603050405020304" pitchFamily="18" charset="0"/>
-              </a:defRPr>
-            </a:lvl4pPr>
-            <a:lvl5pPr>
-              <a:defRPr>
-                <a:latin typeface="Times New Roman" panose="02020603050405020304" pitchFamily="18" charset="0"/>
-                <a:cs typeface="Times New Roman" panose="02020603050405020304" pitchFamily="18" charset="0"/>
-              </a:defRPr>
-            </a:lvl5pPr>
-          </a:lstStyle>
-          <a:p>
-            <a:pPr lvl="0"/>
-            <a:r>
-              <a:rPr lang="en-US" dirty="0"/>
-              <a:t>Click to edit Master text styles</a:t>
-            </a:r>
-          </a:p>
-          <a:p>
-            <a:pPr lvl="1"/>
-            <a:r>
-              <a:rPr lang="en-US" dirty="0"/>
-              <a:t>Second level</a:t>
-            </a:r>
-          </a:p>
-        </p:txBody>
-      </p:sp>
-      <p:sp>
-        <p:nvSpPr>
-          <p:cNvPr id="6" name="Content Placeholder 5">
-            <a:extLst>
-              <a:ext uri="{FF2B5EF4-FFF2-40B4-BE49-F238E27FC236}">
-                <a16:creationId xmlns:a16="http://schemas.microsoft.com/office/drawing/2014/main" id="{8637B7CF-4702-1CC5-D501-7C3712805BE6}"/>
-              </a:ext>
-            </a:extLst>
-          </p:cNvPr>
-          <p:cNvSpPr>
-            <a:spLocks noGrp="1"/>
-          </p:cNvSpPr>
-          <p:nvPr>
-            <p:ph sz="quarter" idx="13"/>
-          </p:nvPr>
-        </p:nvSpPr>
-        <p:spPr>
-          <a:xfrm>
-            <a:off x="540000" y="1512000"/>
-            <a:ext cx="2880000" cy="2160000"/>
-          </a:xfrm>
-          <a:prstGeom prst="rect">
-            <a:avLst/>
-          </a:prstGeom>
-        </p:spPr>
-        <p:txBody>
-          <a:bodyPr/>
-          <a:lstStyle>
-            <a:lvl1pPr marL="457200" indent="-457200">
-              <a:buFont typeface="Arial" panose="020B0604020202020204" pitchFamily="34" charset="0"/>
-              <a:buChar char="•"/>
-              <a:defRPr lang="en-US" sz="2000" kern="1200" dirty="0" smtClean="0">
-                <a:solidFill>
-                  <a:schemeClr val="tx1"/>
-                </a:solidFill>
-                <a:latin typeface="Arial" panose="020B0604020202020204" pitchFamily="34" charset="0"/>
-                <a:ea typeface="+mn-ea"/>
-                <a:cs typeface="Arial" panose="020B0604020202020204" pitchFamily="34" charset="0"/>
-              </a:defRPr>
-            </a:lvl1pPr>
-            <a:lvl2pPr marL="800066" indent="-342900">
-              <a:buFont typeface="Wingdings" panose="05000000000000000000" pitchFamily="2" charset="2"/>
-              <a:buChar char="§"/>
-              <a:defRPr lang="en-US" sz="1800" kern="1200" dirty="0" smtClean="0">
-                <a:solidFill>
-                  <a:schemeClr val="tx1"/>
-                </a:solidFill>
-                <a:latin typeface="Arial" panose="020B0604020202020204" pitchFamily="34" charset="0"/>
-                <a:ea typeface="+mn-ea"/>
-                <a:cs typeface="Arial" panose="020B0604020202020204" pitchFamily="34" charset="0"/>
-              </a:defRPr>
-            </a:lvl2pPr>
-          </a:lstStyle>
-          <a:p>
-            <a:pPr lvl="0"/>
-            <a:r>
-              <a:rPr lang="en-US" dirty="0"/>
-              <a:t>Click to edit Master text styles</a:t>
-            </a:r>
-          </a:p>
-          <a:p>
-            <a:pPr marL="685750" lvl="1" indent="-228584" algn="l" defTabSz="914400" rtl="0" eaLnBrk="1" latinLnBrk="0" hangingPunct="1">
-              <a:lnSpc>
-                <a:spcPct val="100000"/>
-              </a:lnSpc>
-              <a:spcBef>
-                <a:spcPts val="500"/>
-              </a:spcBef>
-              <a:buFont typeface="Wingdings" panose="05000000000000000000" pitchFamily="2" charset="2"/>
-              <a:buChar char="§"/>
-            </a:pPr>
-            <a:r>
-              <a:rPr lang="en-US" dirty="0"/>
-              <a:t>Second level</a:t>
-            </a:r>
-          </a:p>
-          <a:p>
-            <a:pPr lvl="0"/>
-            <a:endParaRPr lang="en-US" dirty="0"/>
-          </a:p>
-        </p:txBody>
-      </p:sp>
-      <p:sp>
-        <p:nvSpPr>
-          <p:cNvPr id="10" name="Content Placeholder 5">
-            <a:extLst>
-              <a:ext uri="{FF2B5EF4-FFF2-40B4-BE49-F238E27FC236}">
-                <a16:creationId xmlns:a16="http://schemas.microsoft.com/office/drawing/2014/main" id="{F5E152AA-84F3-7B63-CE68-DEB6F021E527}"/>
-              </a:ext>
-            </a:extLst>
-          </p:cNvPr>
-          <p:cNvSpPr>
-            <a:spLocks noGrp="1"/>
-          </p:cNvSpPr>
-          <p:nvPr>
-            <p:ph sz="quarter" idx="15"/>
-          </p:nvPr>
-        </p:nvSpPr>
-        <p:spPr>
-          <a:xfrm>
-            <a:off x="527959" y="3972885"/>
-            <a:ext cx="2880000" cy="2160000"/>
-          </a:xfrm>
-          <a:prstGeom prst="rect">
-            <a:avLst/>
-          </a:prstGeom>
-        </p:spPr>
-        <p:txBody>
-          <a:bodyPr/>
-          <a:lstStyle>
-            <a:lvl1pPr marL="457200" indent="-457200">
-              <a:buFont typeface="Arial" panose="020B0604020202020204" pitchFamily="34" charset="0"/>
-              <a:buChar char="•"/>
-              <a:defRPr lang="en-US" sz="2000" kern="1200" dirty="0" smtClean="0">
-                <a:solidFill>
-                  <a:schemeClr val="tx1"/>
-                </a:solidFill>
-                <a:latin typeface="Arial" panose="020B0604020202020204" pitchFamily="34" charset="0"/>
-                <a:ea typeface="+mn-ea"/>
-                <a:cs typeface="Arial" panose="020B0604020202020204" pitchFamily="34" charset="0"/>
-              </a:defRPr>
-            </a:lvl1pPr>
-            <a:lvl2pPr marL="800066" indent="-342900">
-              <a:buFont typeface="Wingdings" panose="05000000000000000000" pitchFamily="2" charset="2"/>
-              <a:buChar char="§"/>
-              <a:defRPr lang="en-US" sz="1800" kern="1200" dirty="0" smtClean="0">
-                <a:solidFill>
-                  <a:schemeClr val="tx1"/>
-                </a:solidFill>
-                <a:latin typeface="Arial" panose="020B0604020202020204" pitchFamily="34" charset="0"/>
-                <a:ea typeface="+mn-ea"/>
-                <a:cs typeface="Arial" panose="020B0604020202020204" pitchFamily="34" charset="0"/>
-              </a:defRPr>
-            </a:lvl2pPr>
-          </a:lstStyle>
-          <a:p>
-            <a:pPr lvl="0"/>
-            <a:r>
-              <a:rPr lang="en-US" dirty="0"/>
-              <a:t>Click to edit Master text styles</a:t>
-            </a:r>
-          </a:p>
-          <a:p>
-            <a:pPr marL="685750" lvl="1" indent="-228584" algn="l" defTabSz="914400" rtl="0" eaLnBrk="1" latinLnBrk="0" hangingPunct="1">
-              <a:lnSpc>
-                <a:spcPct val="100000"/>
-              </a:lnSpc>
-              <a:spcBef>
-                <a:spcPts val="500"/>
-              </a:spcBef>
-              <a:buFont typeface="Wingdings" panose="05000000000000000000" pitchFamily="2" charset="2"/>
-              <a:buChar char="§"/>
-            </a:pPr>
-            <a:r>
-              <a:rPr lang="en-US" dirty="0"/>
-              <a:t>Second level</a:t>
-            </a:r>
-          </a:p>
-          <a:p>
-            <a:pPr lvl="0"/>
-            <a:endParaRPr lang="en-US" dirty="0"/>
-          </a:p>
-        </p:txBody>
-      </p:sp>
-      <p:sp>
-        <p:nvSpPr>
-          <p:cNvPr id="5" name="Content Placeholder 5">
-            <a:extLst>
-              <a:ext uri="{FF2B5EF4-FFF2-40B4-BE49-F238E27FC236}">
-                <a16:creationId xmlns:a16="http://schemas.microsoft.com/office/drawing/2014/main" id="{B77054B5-3845-DAC0-B351-E1DB6E561635}"/>
-              </a:ext>
-            </a:extLst>
-          </p:cNvPr>
-          <p:cNvSpPr>
-            <a:spLocks noGrp="1"/>
-          </p:cNvSpPr>
-          <p:nvPr>
-            <p:ph sz="quarter" idx="16"/>
-          </p:nvPr>
-        </p:nvSpPr>
-        <p:spPr>
-          <a:xfrm>
-            <a:off x="3792041" y="1512000"/>
-            <a:ext cx="2880000" cy="2160000"/>
-          </a:xfrm>
-          <a:prstGeom prst="rect">
-            <a:avLst/>
-          </a:prstGeom>
-        </p:spPr>
-        <p:txBody>
-          <a:bodyPr/>
-          <a:lstStyle>
-            <a:lvl1pPr marL="457200" indent="-457200">
-              <a:buFont typeface="Arial" panose="020B0604020202020204" pitchFamily="34" charset="0"/>
-              <a:buChar char="•"/>
-              <a:defRPr lang="en-US" sz="2000" kern="1200" dirty="0" smtClean="0">
-                <a:solidFill>
-                  <a:schemeClr val="tx1"/>
-                </a:solidFill>
-                <a:latin typeface="Arial" panose="020B0604020202020204" pitchFamily="34" charset="0"/>
-                <a:ea typeface="+mn-ea"/>
-                <a:cs typeface="Arial" panose="020B0604020202020204" pitchFamily="34" charset="0"/>
-              </a:defRPr>
-            </a:lvl1pPr>
-            <a:lvl2pPr marL="800066" indent="-342900">
-              <a:buFont typeface="Wingdings" panose="05000000000000000000" pitchFamily="2" charset="2"/>
-              <a:buChar char="§"/>
-              <a:defRPr lang="en-US" sz="1800" kern="1200" dirty="0" smtClean="0">
-                <a:solidFill>
-                  <a:schemeClr val="tx1"/>
-                </a:solidFill>
-                <a:latin typeface="Arial" panose="020B0604020202020204" pitchFamily="34" charset="0"/>
-                <a:ea typeface="+mn-ea"/>
-                <a:cs typeface="Arial" panose="020B0604020202020204" pitchFamily="34" charset="0"/>
-              </a:defRPr>
-            </a:lvl2pPr>
-          </a:lstStyle>
-          <a:p>
-            <a:pPr lvl="0"/>
-            <a:r>
-              <a:rPr lang="en-US" dirty="0"/>
-              <a:t>Click to edit Master text styles</a:t>
-            </a:r>
-          </a:p>
-          <a:p>
-            <a:pPr marL="685750" lvl="1" indent="-228584" algn="l" defTabSz="914400" rtl="0" eaLnBrk="1" latinLnBrk="0" hangingPunct="1">
-              <a:lnSpc>
-                <a:spcPct val="100000"/>
-              </a:lnSpc>
-              <a:spcBef>
-                <a:spcPts val="500"/>
-              </a:spcBef>
-              <a:buFont typeface="Wingdings" panose="05000000000000000000" pitchFamily="2" charset="2"/>
-              <a:buChar char="§"/>
-            </a:pPr>
-            <a:r>
-              <a:rPr lang="en-US" dirty="0"/>
-              <a:t>Second level</a:t>
-            </a:r>
-          </a:p>
-          <a:p>
-            <a:pPr lvl="0"/>
-            <a:endParaRPr lang="en-US" dirty="0"/>
-          </a:p>
-        </p:txBody>
-      </p:sp>
-      <p:sp>
-        <p:nvSpPr>
-          <p:cNvPr id="7" name="Content Placeholder 5">
-            <a:extLst>
-              <a:ext uri="{FF2B5EF4-FFF2-40B4-BE49-F238E27FC236}">
-                <a16:creationId xmlns:a16="http://schemas.microsoft.com/office/drawing/2014/main" id="{40C0F899-6876-D2D6-6A6B-D295E092DC42}"/>
-              </a:ext>
-            </a:extLst>
-          </p:cNvPr>
-          <p:cNvSpPr>
-            <a:spLocks noGrp="1"/>
-          </p:cNvSpPr>
-          <p:nvPr>
-            <p:ph sz="quarter" idx="17"/>
-          </p:nvPr>
-        </p:nvSpPr>
-        <p:spPr>
-          <a:xfrm>
-            <a:off x="3780000" y="3972885"/>
-            <a:ext cx="2880000" cy="2160000"/>
-          </a:xfrm>
-          <a:prstGeom prst="rect">
-            <a:avLst/>
-          </a:prstGeom>
-        </p:spPr>
-        <p:txBody>
-          <a:bodyPr/>
-          <a:lstStyle>
-            <a:lvl1pPr marL="457200" indent="-457200">
-              <a:buFont typeface="Arial" panose="020B0604020202020204" pitchFamily="34" charset="0"/>
-              <a:buChar char="•"/>
-              <a:defRPr lang="en-US" sz="2000" kern="1200" dirty="0" smtClean="0">
-                <a:solidFill>
-                  <a:schemeClr val="tx1"/>
-                </a:solidFill>
-                <a:latin typeface="Arial" panose="020B0604020202020204" pitchFamily="34" charset="0"/>
-                <a:ea typeface="+mn-ea"/>
-                <a:cs typeface="Arial" panose="020B0604020202020204" pitchFamily="34" charset="0"/>
-              </a:defRPr>
-            </a:lvl1pPr>
-            <a:lvl2pPr marL="800066" indent="-342900">
-              <a:buFont typeface="Wingdings" panose="05000000000000000000" pitchFamily="2" charset="2"/>
-              <a:buChar char="§"/>
-              <a:defRPr lang="en-US" sz="1800" kern="1200" dirty="0" smtClean="0">
-                <a:solidFill>
-                  <a:schemeClr val="tx1"/>
-                </a:solidFill>
-                <a:latin typeface="Arial" panose="020B0604020202020204" pitchFamily="34" charset="0"/>
-                <a:ea typeface="+mn-ea"/>
-                <a:cs typeface="Arial" panose="020B0604020202020204" pitchFamily="34" charset="0"/>
-              </a:defRPr>
-            </a:lvl2pPr>
-          </a:lstStyle>
-          <a:p>
-            <a:pPr lvl="0"/>
-            <a:r>
-              <a:rPr lang="en-US" dirty="0"/>
-              <a:t>Click to edit Master text styles</a:t>
-            </a:r>
-          </a:p>
-          <a:p>
-            <a:pPr marL="685750" lvl="1" indent="-228584" algn="l" defTabSz="914400" rtl="0" eaLnBrk="1" latinLnBrk="0" hangingPunct="1">
-              <a:lnSpc>
-                <a:spcPct val="100000"/>
-              </a:lnSpc>
-              <a:spcBef>
-                <a:spcPts val="500"/>
-              </a:spcBef>
-              <a:buFont typeface="Wingdings" panose="05000000000000000000" pitchFamily="2" charset="2"/>
-              <a:buChar char="§"/>
-            </a:pPr>
-            <a:r>
-              <a:rPr lang="en-US" dirty="0"/>
-              <a:t>Second level</a:t>
-            </a:r>
-          </a:p>
-          <a:p>
-            <a:pPr lvl="0"/>
-            <a:endParaRPr lang="en-US" dirty="0"/>
           </a:p>
         </p:txBody>
       </p:sp>
